--- a/Natural Language Processing with Disaster Tweets.pptx
+++ b/Natural Language Processing with Disaster Tweets.pptx
@@ -9,6 +9,12 @@
     <p:sldId id="257" r:id="rId3"/>
     <p:sldId id="258" r:id="rId4"/>
     <p:sldId id="259" r:id="rId5"/>
+    <p:sldId id="260" r:id="rId6"/>
+    <p:sldId id="261" r:id="rId7"/>
+    <p:sldId id="262" r:id="rId8"/>
+    <p:sldId id="263" r:id="rId9"/>
+    <p:sldId id="264" r:id="rId10"/>
+    <p:sldId id="265" r:id="rId11"/>
   </p:sldIdLst>
   <p:sldSz cx="12192000" cy="6858000"/>
   <p:notesSz cx="6858000" cy="9144000"/>
@@ -4460,6 +4466,129 @@
 </p:sld>
 </file>
 
+<file path=ppt/slides/slide10.xml><?xml version="1.0" encoding="utf-8"?>
+<p:sld xmlns:a="http://schemas.openxmlformats.org/drawingml/2006/main" xmlns:r="http://schemas.openxmlformats.org/officeDocument/2006/relationships" xmlns:p="http://schemas.openxmlformats.org/presentationml/2006/main">
+  <p:cSld>
+    <p:spTree>
+      <p:nvGrpSpPr>
+        <p:cNvPr id="1" name=""/>
+        <p:cNvGrpSpPr/>
+        <p:nvPr/>
+      </p:nvGrpSpPr>
+      <p:grpSpPr>
+        <a:xfrm>
+          <a:off x="0" y="0"/>
+          <a:ext cx="0" cy="0"/>
+          <a:chOff x="0" y="0"/>
+          <a:chExt cx="0" cy="0"/>
+        </a:xfrm>
+      </p:grpSpPr>
+      <p:sp>
+        <p:nvSpPr>
+          <p:cNvPr id="2" name="Titolo 1">
+            <a:extLst>
+              <a:ext uri="{FF2B5EF4-FFF2-40B4-BE49-F238E27FC236}">
+                <a16:creationId xmlns:a16="http://schemas.microsoft.com/office/drawing/2014/main" id="{3A816EA7-A009-4FE9-B372-F155B6439CF6}"/>
+              </a:ext>
+            </a:extLst>
+          </p:cNvPr>
+          <p:cNvSpPr>
+            <a:spLocks noGrp="1"/>
+          </p:cNvSpPr>
+          <p:nvPr>
+            <p:ph type="title"/>
+          </p:nvPr>
+        </p:nvSpPr>
+        <p:spPr>
+          <a:xfrm>
+            <a:off x="603943" y="512785"/>
+            <a:ext cx="9238434" cy="857559"/>
+          </a:xfrm>
+        </p:spPr>
+        <p:txBody>
+          <a:bodyPr/>
+          <a:lstStyle/>
+          <a:p>
+            <a:r>
+              <a:rPr lang="it-IT" dirty="0"/>
+              <a:t>Visualizzazione dati</a:t>
+            </a:r>
+          </a:p>
+        </p:txBody>
+      </p:sp>
+      <p:pic>
+        <p:nvPicPr>
+          <p:cNvPr id="4" name="Immagine 3">
+            <a:extLst>
+              <a:ext uri="{FF2B5EF4-FFF2-40B4-BE49-F238E27FC236}">
+                <a16:creationId xmlns:a16="http://schemas.microsoft.com/office/drawing/2014/main" id="{F98223FF-3603-4D40-B759-6EE0D9A84A6C}"/>
+              </a:ext>
+            </a:extLst>
+          </p:cNvPr>
+          <p:cNvPicPr>
+            <a:picLocks noChangeAspect="1"/>
+          </p:cNvPicPr>
+          <p:nvPr/>
+        </p:nvPicPr>
+        <p:blipFill>
+          <a:blip r:embed="rId2"/>
+          <a:stretch>
+            <a:fillRect/>
+          </a:stretch>
+        </p:blipFill>
+        <p:spPr>
+          <a:xfrm>
+            <a:off x="432493" y="2210743"/>
+            <a:ext cx="5501582" cy="4134472"/>
+          </a:xfrm>
+          <a:prstGeom prst="rect">
+            <a:avLst/>
+          </a:prstGeom>
+        </p:spPr>
+      </p:pic>
+      <p:pic>
+        <p:nvPicPr>
+          <p:cNvPr id="7" name="Immagine 6">
+            <a:extLst>
+              <a:ext uri="{FF2B5EF4-FFF2-40B4-BE49-F238E27FC236}">
+                <a16:creationId xmlns:a16="http://schemas.microsoft.com/office/drawing/2014/main" id="{3DE38FEF-19E5-490E-B0D9-5E92E8DD36EB}"/>
+              </a:ext>
+            </a:extLst>
+          </p:cNvPr>
+          <p:cNvPicPr>
+            <a:picLocks noChangeAspect="1"/>
+          </p:cNvPicPr>
+          <p:nvPr/>
+        </p:nvPicPr>
+        <p:blipFill>
+          <a:blip r:embed="rId3"/>
+          <a:stretch>
+            <a:fillRect/>
+          </a:stretch>
+        </p:blipFill>
+        <p:spPr>
+          <a:xfrm>
+            <a:off x="6514907" y="2210743"/>
+            <a:ext cx="5381817" cy="4135415"/>
+          </a:xfrm>
+          <a:prstGeom prst="rect">
+            <a:avLst/>
+          </a:prstGeom>
+        </p:spPr>
+      </p:pic>
+    </p:spTree>
+    <p:extLst>
+      <p:ext uri="{BB962C8B-B14F-4D97-AF65-F5344CB8AC3E}">
+        <p14:creationId xmlns:p14="http://schemas.microsoft.com/office/powerpoint/2010/main" val="2694819034"/>
+      </p:ext>
+    </p:extLst>
+  </p:cSld>
+  <p:clrMapOvr>
+    <a:masterClrMapping/>
+  </p:clrMapOvr>
+</p:sld>
+</file>
+
 <file path=ppt/slides/slide2.xml><?xml version="1.0" encoding="utf-8"?>
 <p:sld xmlns:a="http://schemas.openxmlformats.org/drawingml/2006/main" xmlns:r="http://schemas.openxmlformats.org/officeDocument/2006/relationships" xmlns:p="http://schemas.openxmlformats.org/presentationml/2006/main">
   <p:cSld>
@@ -4757,6 +4886,14 @@
 <file path=ppt/slides/slide3.xml><?xml version="1.0" encoding="utf-8"?>
 <p:sld xmlns:a="http://schemas.openxmlformats.org/drawingml/2006/main" xmlns:r="http://schemas.openxmlformats.org/officeDocument/2006/relationships" xmlns:p="http://schemas.openxmlformats.org/presentationml/2006/main">
   <p:cSld>
+    <p:bg>
+      <p:bgPr>
+        <a:solidFill>
+          <a:schemeClr val="bg1"/>
+        </a:solidFill>
+        <a:effectLst/>
+      </p:bgPr>
+    </p:bg>
     <p:spTree>
       <p:nvGrpSpPr>
         <p:cNvPr id="1" name=""/>
@@ -4771,180 +4908,1297 @@
           <a:chExt cx="0" cy="0"/>
         </a:xfrm>
       </p:grpSpPr>
-      <p:sp>
-        <p:nvSpPr>
-          <p:cNvPr id="7" name="CasellaDiTesto 6">
-            <a:extLst>
-              <a:ext uri="{FF2B5EF4-FFF2-40B4-BE49-F238E27FC236}">
-                <a16:creationId xmlns:a16="http://schemas.microsoft.com/office/drawing/2014/main" id="{FD2B2F93-EDCA-4323-A4A0-E30427B46D2E}"/>
-              </a:ext>
-            </a:extLst>
-          </p:cNvPr>
-          <p:cNvSpPr txBox="1"/>
-          <p:nvPr/>
+      <p:sp useBgFill="1">
+        <p:nvSpPr>
+          <p:cNvPr id="16" name="Rectangle 11">
+            <a:extLst>
+              <a:ext uri="{FF2B5EF4-FFF2-40B4-BE49-F238E27FC236}">
+                <a16:creationId xmlns:a16="http://schemas.microsoft.com/office/drawing/2014/main" id="{E7218290-08E7-4AB8-8549-F625B01F0DCB}"/>
+              </a:ext>
+              <a:ext uri="{C183D7F6-B498-43B3-948B-1728B52AA6E4}">
+                <adec:decorative xmlns:adec="http://schemas.microsoft.com/office/drawing/2017/decorative" val="1"/>
+              </a:ext>
+            </a:extLst>
+          </p:cNvPr>
+          <p:cNvSpPr>
+            <a:spLocks noGrp="1" noRot="1" noChangeAspect="1" noMove="1" noResize="1" noEditPoints="1" noAdjustHandles="1" noChangeArrowheads="1" noChangeShapeType="1" noTextEdit="1"/>
+          </p:cNvSpPr>
+          <p:nvPr>
+            <p:extLst>
+              <p:ext uri="{386F3935-93C4-4BCD-93E2-E3B085C9AB24}">
+                <p16:designElem xmlns:p16="http://schemas.microsoft.com/office/powerpoint/2015/main" val="1"/>
+              </p:ext>
+            </p:extLst>
+          </p:nvPr>
         </p:nvSpPr>
         <p:spPr>
-          <a:xfrm flipH="1">
-            <a:off x="892943" y="784009"/>
-            <a:ext cx="10927582" cy="3416320"/>
+          <a:xfrm>
+            <a:off x="0" y="0"/>
+            <a:ext cx="12192000" cy="6858000"/>
           </a:xfrm>
           <a:prstGeom prst="rect">
             <a:avLst/>
           </a:prstGeom>
-          <a:noFill/>
+          <a:ln w="12700" cap="flat" cmpd="sng" algn="ctr">
+            <a:noFill/>
+            <a:prstDash val="solid"/>
+            <a:miter lim="800000"/>
+          </a:ln>
+          <a:effectLst/>
+          <a:extLst>
+            <a:ext uri="{91240B29-F687-4F45-9708-019B960494DF}">
+              <a14:hiddenLine xmlns:a14="http://schemas.microsoft.com/office/drawing/2010/main" w="12700" cap="flat" cmpd="sng" algn="ctr">
+                <a:solidFill>
+                  <a:schemeClr val="accent1">
+                    <a:shade val="50000"/>
+                  </a:schemeClr>
+                </a:solidFill>
+                <a:prstDash val="solid"/>
+                <a:miter lim="800000"/>
+              </a14:hiddenLine>
+            </a:ext>
+          </a:extLst>
         </p:spPr>
-        <p:txBody>
-          <a:bodyPr wrap="square" rtlCol="0">
-            <a:spAutoFit/>
+        <p:style>
+          <a:lnRef idx="2">
+            <a:schemeClr val="accent1">
+              <a:shade val="50000"/>
+            </a:schemeClr>
+          </a:lnRef>
+          <a:fillRef idx="1">
+            <a:schemeClr val="accent1"/>
+          </a:fillRef>
+          <a:effectRef idx="0">
+            <a:schemeClr val="accent1"/>
+          </a:effectRef>
+          <a:fontRef idx="minor">
+            <a:schemeClr val="lt1"/>
+          </a:fontRef>
+        </p:style>
+        <p:txBody>
+          <a:bodyPr rtlCol="0" anchor="ctr"/>
+          <a:lstStyle/>
+          <a:p>
+            <a:pPr algn="ctr"/>
+            <a:endParaRPr lang="en-US"/>
+          </a:p>
+        </p:txBody>
+      </p:sp>
+      <p:sp>
+        <p:nvSpPr>
+          <p:cNvPr id="7" name="CasellaDiTesto 6">
+            <a:extLst>
+              <a:ext uri="{FF2B5EF4-FFF2-40B4-BE49-F238E27FC236}">
+                <a16:creationId xmlns:a16="http://schemas.microsoft.com/office/drawing/2014/main" id="{FD2B2F93-EDCA-4323-A4A0-E30427B46D2E}"/>
+              </a:ext>
+            </a:extLst>
+          </p:cNvPr>
+          <p:cNvSpPr txBox="1"/>
+          <p:nvPr/>
+        </p:nvSpPr>
+        <p:spPr>
+          <a:xfrm>
+            <a:off x="314325" y="304800"/>
+            <a:ext cx="5781675" cy="6181725"/>
+          </a:xfrm>
+          <a:prstGeom prst="rect">
+            <a:avLst/>
+          </a:prstGeom>
+        </p:spPr>
+        <p:txBody>
+          <a:bodyPr vert="horz" lIns="91440" tIns="45720" rIns="91440" bIns="45720" rtlCol="0">
+            <a:normAutofit/>
           </a:bodyPr>
           <a:lstStyle/>
           <a:p>
-            <a:r>
-              <a:rPr lang="it-IT" dirty="0"/>
-              <a:t>Lo scopo è quello di rendere una macchina capace, attraverso un modello di machine learning, di classificare un file di testo per estrapolare informazioni relative a eventuali disastri naturali e/o incidenti. Le informazioni verranno acquisite da social media come Twitter, Facebook, Instagram attraverso framework come Beautiful </a:t>
-            </a:r>
-            <a:r>
-              <a:rPr lang="it-IT" dirty="0" err="1"/>
-              <a:t>soup</a:t>
-            </a:r>
-            <a:r>
-              <a:rPr lang="it-IT" dirty="0"/>
-              <a:t> il quale partendo da file HTML e XML è in grado di estrapolare dati utili.</a:t>
-            </a:r>
-          </a:p>
-          <a:p>
-            <a:r>
-              <a:rPr lang="it-IT" dirty="0"/>
-              <a:t>Immaginando un ipotetico scenario futuro dove enti pubblici (vigili del fuoco, guardia forestale, polizia </a:t>
-            </a:r>
-            <a:r>
-              <a:rPr lang="it-IT" dirty="0" err="1"/>
+            <a:pPr>
+              <a:lnSpc>
+                <a:spcPct val="120000"/>
+              </a:lnSpc>
+              <a:spcAft>
+                <a:spcPts val="600"/>
+              </a:spcAft>
+              <a:buSzPct val="85000"/>
+            </a:pPr>
+            <a:r>
+              <a:rPr lang="en-US" sz="1700" dirty="0">
+                <a:latin typeface="Calibri" panose="020F0502020204030204" pitchFamily="34" charset="0"/>
+                <a:cs typeface="Calibri" panose="020F0502020204030204" pitchFamily="34" charset="0"/>
+              </a:rPr>
+              <a:t>Lo </a:t>
+            </a:r>
+            <a:r>
+              <a:rPr lang="en-US" sz="1700" dirty="0" err="1">
+                <a:latin typeface="Calibri" panose="020F0502020204030204" pitchFamily="34" charset="0"/>
+                <a:cs typeface="Calibri" panose="020F0502020204030204" pitchFamily="34" charset="0"/>
+              </a:rPr>
+              <a:t>scopo</a:t>
+            </a:r>
+            <a:r>
+              <a:rPr lang="en-US" sz="1700" dirty="0">
+                <a:latin typeface="Calibri" panose="020F0502020204030204" pitchFamily="34" charset="0"/>
+                <a:cs typeface="Calibri" panose="020F0502020204030204" pitchFamily="34" charset="0"/>
+              </a:rPr>
+              <a:t> è </a:t>
+            </a:r>
+            <a:r>
+              <a:rPr lang="en-US" sz="1700" dirty="0" err="1">
+                <a:latin typeface="Calibri" panose="020F0502020204030204" pitchFamily="34" charset="0"/>
+                <a:cs typeface="Calibri" panose="020F0502020204030204" pitchFamily="34" charset="0"/>
+              </a:rPr>
+              <a:t>quello</a:t>
+            </a:r>
+            <a:r>
+              <a:rPr lang="en-US" sz="1700" dirty="0">
+                <a:latin typeface="Calibri" panose="020F0502020204030204" pitchFamily="34" charset="0"/>
+                <a:cs typeface="Calibri" panose="020F0502020204030204" pitchFamily="34" charset="0"/>
+              </a:rPr>
+              <a:t> di </a:t>
+            </a:r>
+            <a:r>
+              <a:rPr lang="en-US" sz="1700" dirty="0" err="1">
+                <a:latin typeface="Calibri" panose="020F0502020204030204" pitchFamily="34" charset="0"/>
+                <a:cs typeface="Calibri" panose="020F0502020204030204" pitchFamily="34" charset="0"/>
+              </a:rPr>
+              <a:t>rendere</a:t>
+            </a:r>
+            <a:r>
+              <a:rPr lang="en-US" sz="1700" dirty="0">
+                <a:latin typeface="Calibri" panose="020F0502020204030204" pitchFamily="34" charset="0"/>
+                <a:cs typeface="Calibri" panose="020F0502020204030204" pitchFamily="34" charset="0"/>
+              </a:rPr>
+              <a:t> una </a:t>
+            </a:r>
+            <a:r>
+              <a:rPr lang="en-US" sz="1700" dirty="0" err="1">
+                <a:latin typeface="Calibri" panose="020F0502020204030204" pitchFamily="34" charset="0"/>
+                <a:cs typeface="Calibri" panose="020F0502020204030204" pitchFamily="34" charset="0"/>
+              </a:rPr>
+              <a:t>macchina</a:t>
+            </a:r>
+            <a:r>
+              <a:rPr lang="en-US" sz="1700" dirty="0">
+                <a:latin typeface="Calibri" panose="020F0502020204030204" pitchFamily="34" charset="0"/>
+                <a:cs typeface="Calibri" panose="020F0502020204030204" pitchFamily="34" charset="0"/>
+              </a:rPr>
+              <a:t> </a:t>
+            </a:r>
+            <a:r>
+              <a:rPr lang="en-US" sz="1700" dirty="0" err="1">
+                <a:latin typeface="Calibri" panose="020F0502020204030204" pitchFamily="34" charset="0"/>
+                <a:cs typeface="Calibri" panose="020F0502020204030204" pitchFamily="34" charset="0"/>
+              </a:rPr>
+              <a:t>capace</a:t>
+            </a:r>
+            <a:r>
+              <a:rPr lang="en-US" sz="1700" dirty="0">
+                <a:latin typeface="Calibri" panose="020F0502020204030204" pitchFamily="34" charset="0"/>
+                <a:cs typeface="Calibri" panose="020F0502020204030204" pitchFamily="34" charset="0"/>
+              </a:rPr>
+              <a:t>, </a:t>
+            </a:r>
+            <a:r>
+              <a:rPr lang="en-US" sz="1700" dirty="0" err="1">
+                <a:latin typeface="Calibri" panose="020F0502020204030204" pitchFamily="34" charset="0"/>
+                <a:cs typeface="Calibri" panose="020F0502020204030204" pitchFamily="34" charset="0"/>
+              </a:rPr>
+              <a:t>attraverso</a:t>
+            </a:r>
+            <a:r>
+              <a:rPr lang="en-US" sz="1700" dirty="0">
+                <a:latin typeface="Calibri" panose="020F0502020204030204" pitchFamily="34" charset="0"/>
+                <a:cs typeface="Calibri" panose="020F0502020204030204" pitchFamily="34" charset="0"/>
+              </a:rPr>
+              <a:t> un </a:t>
+            </a:r>
+            <a:r>
+              <a:rPr lang="en-US" sz="1700" dirty="0" err="1">
+                <a:latin typeface="Calibri" panose="020F0502020204030204" pitchFamily="34" charset="0"/>
+                <a:cs typeface="Calibri" panose="020F0502020204030204" pitchFamily="34" charset="0"/>
+              </a:rPr>
+              <a:t>modello</a:t>
+            </a:r>
+            <a:r>
+              <a:rPr lang="en-US" sz="1700" dirty="0">
+                <a:latin typeface="Calibri" panose="020F0502020204030204" pitchFamily="34" charset="0"/>
+                <a:cs typeface="Calibri" panose="020F0502020204030204" pitchFamily="34" charset="0"/>
+              </a:rPr>
+              <a:t> di machine learning, di </a:t>
+            </a:r>
+            <a:r>
+              <a:rPr lang="en-US" sz="1700" dirty="0" err="1">
+                <a:latin typeface="Calibri" panose="020F0502020204030204" pitchFamily="34" charset="0"/>
+                <a:cs typeface="Calibri" panose="020F0502020204030204" pitchFamily="34" charset="0"/>
+              </a:rPr>
+              <a:t>classificare</a:t>
+            </a:r>
+            <a:r>
+              <a:rPr lang="en-US" sz="1700" dirty="0">
+                <a:latin typeface="Calibri" panose="020F0502020204030204" pitchFamily="34" charset="0"/>
+                <a:cs typeface="Calibri" panose="020F0502020204030204" pitchFamily="34" charset="0"/>
+              </a:rPr>
+              <a:t> un file di testo per </a:t>
+            </a:r>
+            <a:r>
+              <a:rPr lang="en-US" sz="1700" dirty="0" err="1">
+                <a:latin typeface="Calibri" panose="020F0502020204030204" pitchFamily="34" charset="0"/>
+                <a:cs typeface="Calibri" panose="020F0502020204030204" pitchFamily="34" charset="0"/>
+              </a:rPr>
+              <a:t>estrapolare</a:t>
+            </a:r>
+            <a:r>
+              <a:rPr lang="en-US" sz="1700" dirty="0">
+                <a:latin typeface="Calibri" panose="020F0502020204030204" pitchFamily="34" charset="0"/>
+                <a:cs typeface="Calibri" panose="020F0502020204030204" pitchFamily="34" charset="0"/>
+              </a:rPr>
+              <a:t> </a:t>
+            </a:r>
+            <a:r>
+              <a:rPr lang="en-US" sz="1700" dirty="0" err="1">
+                <a:latin typeface="Calibri" panose="020F0502020204030204" pitchFamily="34" charset="0"/>
+                <a:cs typeface="Calibri" panose="020F0502020204030204" pitchFamily="34" charset="0"/>
+              </a:rPr>
+              <a:t>informazioni</a:t>
+            </a:r>
+            <a:r>
+              <a:rPr lang="en-US" sz="1700" dirty="0">
+                <a:latin typeface="Calibri" panose="020F0502020204030204" pitchFamily="34" charset="0"/>
+                <a:cs typeface="Calibri" panose="020F0502020204030204" pitchFamily="34" charset="0"/>
+              </a:rPr>
+              <a:t> relative a </a:t>
+            </a:r>
+            <a:r>
+              <a:rPr lang="en-US" sz="1700" dirty="0" err="1">
+                <a:latin typeface="Calibri" panose="020F0502020204030204" pitchFamily="34" charset="0"/>
+                <a:cs typeface="Calibri" panose="020F0502020204030204" pitchFamily="34" charset="0"/>
+              </a:rPr>
+              <a:t>eventuali</a:t>
+            </a:r>
+            <a:r>
+              <a:rPr lang="en-US" sz="1700" dirty="0">
+                <a:latin typeface="Calibri" panose="020F0502020204030204" pitchFamily="34" charset="0"/>
+                <a:cs typeface="Calibri" panose="020F0502020204030204" pitchFamily="34" charset="0"/>
+              </a:rPr>
+              <a:t> </a:t>
+            </a:r>
+            <a:r>
+              <a:rPr lang="en-US" sz="1700" dirty="0" err="1">
+                <a:latin typeface="Calibri" panose="020F0502020204030204" pitchFamily="34" charset="0"/>
+                <a:cs typeface="Calibri" panose="020F0502020204030204" pitchFamily="34" charset="0"/>
+              </a:rPr>
+              <a:t>disastri</a:t>
+            </a:r>
+            <a:r>
+              <a:rPr lang="en-US" sz="1700" dirty="0">
+                <a:latin typeface="Calibri" panose="020F0502020204030204" pitchFamily="34" charset="0"/>
+                <a:cs typeface="Calibri" panose="020F0502020204030204" pitchFamily="34" charset="0"/>
+              </a:rPr>
+              <a:t> </a:t>
+            </a:r>
+            <a:r>
+              <a:rPr lang="en-US" sz="1700" dirty="0" err="1">
+                <a:latin typeface="Calibri" panose="020F0502020204030204" pitchFamily="34" charset="0"/>
+                <a:cs typeface="Calibri" panose="020F0502020204030204" pitchFamily="34" charset="0"/>
+              </a:rPr>
+              <a:t>naturali</a:t>
+            </a:r>
+            <a:r>
+              <a:rPr lang="en-US" sz="1700" dirty="0">
+                <a:latin typeface="Calibri" panose="020F0502020204030204" pitchFamily="34" charset="0"/>
+                <a:cs typeface="Calibri" panose="020F0502020204030204" pitchFamily="34" charset="0"/>
+              </a:rPr>
+              <a:t> e/o </a:t>
+            </a:r>
+            <a:r>
+              <a:rPr lang="en-US" sz="1700" dirty="0" err="1">
+                <a:latin typeface="Calibri" panose="020F0502020204030204" pitchFamily="34" charset="0"/>
+                <a:cs typeface="Calibri" panose="020F0502020204030204" pitchFamily="34" charset="0"/>
+              </a:rPr>
+              <a:t>incidenti</a:t>
+            </a:r>
+            <a:r>
+              <a:rPr lang="en-US" sz="1700" dirty="0">
+                <a:latin typeface="Calibri" panose="020F0502020204030204" pitchFamily="34" charset="0"/>
+                <a:cs typeface="Calibri" panose="020F0502020204030204" pitchFamily="34" charset="0"/>
+              </a:rPr>
+              <a:t>. Le </a:t>
+            </a:r>
+            <a:r>
+              <a:rPr lang="en-US" sz="1700" dirty="0" err="1">
+                <a:latin typeface="Calibri" panose="020F0502020204030204" pitchFamily="34" charset="0"/>
+                <a:cs typeface="Calibri" panose="020F0502020204030204" pitchFamily="34" charset="0"/>
+              </a:rPr>
+              <a:t>informazioni</a:t>
+            </a:r>
+            <a:r>
+              <a:rPr lang="en-US" sz="1700" dirty="0">
+                <a:latin typeface="Calibri" panose="020F0502020204030204" pitchFamily="34" charset="0"/>
+                <a:cs typeface="Calibri" panose="020F0502020204030204" pitchFamily="34" charset="0"/>
+              </a:rPr>
+              <a:t> </a:t>
+            </a:r>
+            <a:r>
+              <a:rPr lang="en-US" sz="1700" dirty="0" err="1">
+                <a:latin typeface="Calibri" panose="020F0502020204030204" pitchFamily="34" charset="0"/>
+                <a:cs typeface="Calibri" panose="020F0502020204030204" pitchFamily="34" charset="0"/>
+              </a:rPr>
+              <a:t>verranno</a:t>
+            </a:r>
+            <a:r>
+              <a:rPr lang="en-US" sz="1700" dirty="0">
+                <a:latin typeface="Calibri" panose="020F0502020204030204" pitchFamily="34" charset="0"/>
+                <a:cs typeface="Calibri" panose="020F0502020204030204" pitchFamily="34" charset="0"/>
+              </a:rPr>
+              <a:t> </a:t>
+            </a:r>
+            <a:r>
+              <a:rPr lang="en-US" sz="1700" dirty="0" err="1">
+                <a:latin typeface="Calibri" panose="020F0502020204030204" pitchFamily="34" charset="0"/>
+                <a:cs typeface="Calibri" panose="020F0502020204030204" pitchFamily="34" charset="0"/>
+              </a:rPr>
+              <a:t>acquisite</a:t>
+            </a:r>
+            <a:r>
+              <a:rPr lang="en-US" sz="1700" dirty="0">
+                <a:latin typeface="Calibri" panose="020F0502020204030204" pitchFamily="34" charset="0"/>
+                <a:cs typeface="Calibri" panose="020F0502020204030204" pitchFamily="34" charset="0"/>
+              </a:rPr>
+              <a:t> da social media come Twitter, Facebook, Instagram </a:t>
+            </a:r>
+            <a:r>
+              <a:rPr lang="en-US" sz="1700" dirty="0" err="1">
+                <a:latin typeface="Calibri" panose="020F0502020204030204" pitchFamily="34" charset="0"/>
+                <a:cs typeface="Calibri" panose="020F0502020204030204" pitchFamily="34" charset="0"/>
+              </a:rPr>
+              <a:t>attraverso</a:t>
+            </a:r>
+            <a:r>
+              <a:rPr lang="en-US" sz="1700" dirty="0">
+                <a:latin typeface="Calibri" panose="020F0502020204030204" pitchFamily="34" charset="0"/>
+                <a:cs typeface="Calibri" panose="020F0502020204030204" pitchFamily="34" charset="0"/>
+              </a:rPr>
+              <a:t> framework come Beautiful soup il quale </a:t>
+            </a:r>
+            <a:r>
+              <a:rPr lang="en-US" sz="1700" dirty="0" err="1">
+                <a:latin typeface="Calibri" panose="020F0502020204030204" pitchFamily="34" charset="0"/>
+                <a:cs typeface="Calibri" panose="020F0502020204030204" pitchFamily="34" charset="0"/>
+              </a:rPr>
+              <a:t>partendo</a:t>
+            </a:r>
+            <a:r>
+              <a:rPr lang="en-US" sz="1700" dirty="0">
+                <a:latin typeface="Calibri" panose="020F0502020204030204" pitchFamily="34" charset="0"/>
+                <a:cs typeface="Calibri" panose="020F0502020204030204" pitchFamily="34" charset="0"/>
+              </a:rPr>
+              <a:t> da file HTML e XML è in </a:t>
+            </a:r>
+            <a:r>
+              <a:rPr lang="en-US" sz="1700" dirty="0" err="1">
+                <a:latin typeface="Calibri" panose="020F0502020204030204" pitchFamily="34" charset="0"/>
+                <a:cs typeface="Calibri" panose="020F0502020204030204" pitchFamily="34" charset="0"/>
+              </a:rPr>
+              <a:t>grado</a:t>
+            </a:r>
+            <a:r>
+              <a:rPr lang="en-US" sz="1700" dirty="0">
+                <a:latin typeface="Calibri" panose="020F0502020204030204" pitchFamily="34" charset="0"/>
+                <a:cs typeface="Calibri" panose="020F0502020204030204" pitchFamily="34" charset="0"/>
+              </a:rPr>
+              <a:t> di </a:t>
+            </a:r>
+            <a:r>
+              <a:rPr lang="en-US" sz="1700" dirty="0" err="1">
+                <a:latin typeface="Calibri" panose="020F0502020204030204" pitchFamily="34" charset="0"/>
+                <a:cs typeface="Calibri" panose="020F0502020204030204" pitchFamily="34" charset="0"/>
+              </a:rPr>
+              <a:t>estrapolare</a:t>
+            </a:r>
+            <a:r>
+              <a:rPr lang="en-US" sz="1700" dirty="0">
+                <a:latin typeface="Calibri" panose="020F0502020204030204" pitchFamily="34" charset="0"/>
+                <a:cs typeface="Calibri" panose="020F0502020204030204" pitchFamily="34" charset="0"/>
+              </a:rPr>
+              <a:t> </a:t>
+            </a:r>
+            <a:r>
+              <a:rPr lang="en-US" sz="1700" dirty="0" err="1">
+                <a:latin typeface="Calibri" panose="020F0502020204030204" pitchFamily="34" charset="0"/>
+                <a:cs typeface="Calibri" panose="020F0502020204030204" pitchFamily="34" charset="0"/>
+              </a:rPr>
+              <a:t>dati</a:t>
+            </a:r>
+            <a:r>
+              <a:rPr lang="en-US" sz="1700" dirty="0">
+                <a:latin typeface="Calibri" panose="020F0502020204030204" pitchFamily="34" charset="0"/>
+                <a:cs typeface="Calibri" panose="020F0502020204030204" pitchFamily="34" charset="0"/>
+              </a:rPr>
+              <a:t> </a:t>
+            </a:r>
+            <a:r>
+              <a:rPr lang="en-US" sz="1700" dirty="0" err="1">
+                <a:latin typeface="Calibri" panose="020F0502020204030204" pitchFamily="34" charset="0"/>
+                <a:cs typeface="Calibri" panose="020F0502020204030204" pitchFamily="34" charset="0"/>
+              </a:rPr>
+              <a:t>utili</a:t>
+            </a:r>
+            <a:r>
+              <a:rPr lang="en-US" sz="1700" dirty="0">
+                <a:latin typeface="Calibri" panose="020F0502020204030204" pitchFamily="34" charset="0"/>
+                <a:cs typeface="Calibri" panose="020F0502020204030204" pitchFamily="34" charset="0"/>
+              </a:rPr>
+              <a:t>.</a:t>
+            </a:r>
+          </a:p>
+          <a:p>
+            <a:pPr>
+              <a:lnSpc>
+                <a:spcPct val="120000"/>
+              </a:lnSpc>
+              <a:spcAft>
+                <a:spcPts val="600"/>
+              </a:spcAft>
+              <a:buSzPct val="85000"/>
+            </a:pPr>
+            <a:r>
+              <a:rPr lang="en-US" sz="1700" dirty="0" err="1">
+                <a:latin typeface="Calibri" panose="020F0502020204030204" pitchFamily="34" charset="0"/>
+                <a:cs typeface="Calibri" panose="020F0502020204030204" pitchFamily="34" charset="0"/>
+              </a:rPr>
+              <a:t>Immaginando</a:t>
+            </a:r>
+            <a:r>
+              <a:rPr lang="en-US" sz="1700" dirty="0">
+                <a:latin typeface="Calibri" panose="020F0502020204030204" pitchFamily="34" charset="0"/>
+                <a:cs typeface="Calibri" panose="020F0502020204030204" pitchFamily="34" charset="0"/>
+              </a:rPr>
+              <a:t> un </a:t>
+            </a:r>
+            <a:r>
+              <a:rPr lang="en-US" sz="1700" dirty="0" err="1">
+                <a:latin typeface="Calibri" panose="020F0502020204030204" pitchFamily="34" charset="0"/>
+                <a:cs typeface="Calibri" panose="020F0502020204030204" pitchFamily="34" charset="0"/>
+              </a:rPr>
+              <a:t>ipotetico</a:t>
+            </a:r>
+            <a:r>
+              <a:rPr lang="en-US" sz="1700" dirty="0">
+                <a:latin typeface="Calibri" panose="020F0502020204030204" pitchFamily="34" charset="0"/>
+                <a:cs typeface="Calibri" panose="020F0502020204030204" pitchFamily="34" charset="0"/>
+              </a:rPr>
+              <a:t> scenario </a:t>
+            </a:r>
+            <a:r>
+              <a:rPr lang="en-US" sz="1700" dirty="0" err="1">
+                <a:latin typeface="Calibri" panose="020F0502020204030204" pitchFamily="34" charset="0"/>
+                <a:cs typeface="Calibri" panose="020F0502020204030204" pitchFamily="34" charset="0"/>
+              </a:rPr>
+              <a:t>futuro</a:t>
+            </a:r>
+            <a:r>
+              <a:rPr lang="en-US" sz="1700" dirty="0">
+                <a:latin typeface="Calibri" panose="020F0502020204030204" pitchFamily="34" charset="0"/>
+                <a:cs typeface="Calibri" panose="020F0502020204030204" pitchFamily="34" charset="0"/>
+              </a:rPr>
+              <a:t> dove </a:t>
+            </a:r>
+            <a:r>
+              <a:rPr lang="en-US" sz="1700" dirty="0" err="1">
+                <a:latin typeface="Calibri" panose="020F0502020204030204" pitchFamily="34" charset="0"/>
+                <a:cs typeface="Calibri" panose="020F0502020204030204" pitchFamily="34" charset="0"/>
+              </a:rPr>
+              <a:t>enti</a:t>
+            </a:r>
+            <a:r>
+              <a:rPr lang="en-US" sz="1700" dirty="0">
+                <a:latin typeface="Calibri" panose="020F0502020204030204" pitchFamily="34" charset="0"/>
+                <a:cs typeface="Calibri" panose="020F0502020204030204" pitchFamily="34" charset="0"/>
+              </a:rPr>
+              <a:t> </a:t>
+            </a:r>
+            <a:r>
+              <a:rPr lang="en-US" sz="1700" dirty="0" err="1">
+                <a:latin typeface="Calibri" panose="020F0502020204030204" pitchFamily="34" charset="0"/>
+                <a:cs typeface="Calibri" panose="020F0502020204030204" pitchFamily="34" charset="0"/>
+              </a:rPr>
+              <a:t>pubblici</a:t>
+            </a:r>
+            <a:r>
+              <a:rPr lang="en-US" sz="1700" dirty="0">
+                <a:latin typeface="Calibri" panose="020F0502020204030204" pitchFamily="34" charset="0"/>
+                <a:cs typeface="Calibri" panose="020F0502020204030204" pitchFamily="34" charset="0"/>
+              </a:rPr>
+              <a:t> (</a:t>
+            </a:r>
+            <a:r>
+              <a:rPr lang="en-US" sz="1700" dirty="0" err="1">
+                <a:latin typeface="Calibri" panose="020F0502020204030204" pitchFamily="34" charset="0"/>
+                <a:cs typeface="Calibri" panose="020F0502020204030204" pitchFamily="34" charset="0"/>
+              </a:rPr>
+              <a:t>vigili</a:t>
+            </a:r>
+            <a:r>
+              <a:rPr lang="en-US" sz="1700" dirty="0">
+                <a:latin typeface="Calibri" panose="020F0502020204030204" pitchFamily="34" charset="0"/>
+                <a:cs typeface="Calibri" panose="020F0502020204030204" pitchFamily="34" charset="0"/>
+              </a:rPr>
+              <a:t> del fuoco, </a:t>
+            </a:r>
+            <a:r>
+              <a:rPr lang="en-US" sz="1700" dirty="0" err="1">
+                <a:latin typeface="Calibri" panose="020F0502020204030204" pitchFamily="34" charset="0"/>
+                <a:cs typeface="Calibri" panose="020F0502020204030204" pitchFamily="34" charset="0"/>
+              </a:rPr>
+              <a:t>guardia</a:t>
+            </a:r>
+            <a:r>
+              <a:rPr lang="en-US" sz="1700" dirty="0">
+                <a:latin typeface="Calibri" panose="020F0502020204030204" pitchFamily="34" charset="0"/>
+                <a:cs typeface="Calibri" panose="020F0502020204030204" pitchFamily="34" charset="0"/>
+              </a:rPr>
+              <a:t> </a:t>
+            </a:r>
+            <a:r>
+              <a:rPr lang="en-US" sz="1700" dirty="0" err="1">
+                <a:latin typeface="Calibri" panose="020F0502020204030204" pitchFamily="34" charset="0"/>
+                <a:cs typeface="Calibri" panose="020F0502020204030204" pitchFamily="34" charset="0"/>
+              </a:rPr>
+              <a:t>forestale</a:t>
+            </a:r>
+            <a:r>
+              <a:rPr lang="en-US" sz="1700" dirty="0">
+                <a:latin typeface="Calibri" panose="020F0502020204030204" pitchFamily="34" charset="0"/>
+                <a:cs typeface="Calibri" panose="020F0502020204030204" pitchFamily="34" charset="0"/>
+              </a:rPr>
+              <a:t>, </a:t>
+            </a:r>
+            <a:r>
+              <a:rPr lang="en-US" sz="1700" dirty="0" err="1">
+                <a:latin typeface="Calibri" panose="020F0502020204030204" pitchFamily="34" charset="0"/>
+                <a:cs typeface="Calibri" panose="020F0502020204030204" pitchFamily="34" charset="0"/>
+              </a:rPr>
+              <a:t>polizia</a:t>
+            </a:r>
+            <a:r>
+              <a:rPr lang="en-US" sz="1700" dirty="0">
+                <a:latin typeface="Calibri" panose="020F0502020204030204" pitchFamily="34" charset="0"/>
+                <a:cs typeface="Calibri" panose="020F0502020204030204" pitchFamily="34" charset="0"/>
+              </a:rPr>
+              <a:t> </a:t>
+            </a:r>
+            <a:r>
+              <a:rPr lang="en-US" sz="1700" dirty="0" err="1">
+                <a:latin typeface="Calibri" panose="020F0502020204030204" pitchFamily="34" charset="0"/>
+                <a:cs typeface="Calibri" panose="020F0502020204030204" pitchFamily="34" charset="0"/>
+              </a:rPr>
               <a:t>ecc</a:t>
             </a:r>
             <a:r>
-              <a:rPr lang="it-IT" dirty="0"/>
-              <a:t>) hanno la possibilità di possedere apparecchiature sofisticate (es droni militari o veicoli AGV), si vuole automatizzare il processo di soccorso:</a:t>
+              <a:rPr lang="en-US" sz="1700" dirty="0">
+                <a:latin typeface="Calibri" panose="020F0502020204030204" pitchFamily="34" charset="0"/>
+                <a:cs typeface="Calibri" panose="020F0502020204030204" pitchFamily="34" charset="0"/>
+              </a:rPr>
+              <a:t>) </a:t>
+            </a:r>
+            <a:r>
+              <a:rPr lang="en-US" sz="1700" dirty="0" err="1">
+                <a:latin typeface="Calibri" panose="020F0502020204030204" pitchFamily="34" charset="0"/>
+                <a:cs typeface="Calibri" panose="020F0502020204030204" pitchFamily="34" charset="0"/>
+              </a:rPr>
+              <a:t>hanno</a:t>
+            </a:r>
+            <a:r>
+              <a:rPr lang="en-US" sz="1700" dirty="0">
+                <a:latin typeface="Calibri" panose="020F0502020204030204" pitchFamily="34" charset="0"/>
+                <a:cs typeface="Calibri" panose="020F0502020204030204" pitchFamily="34" charset="0"/>
+              </a:rPr>
+              <a:t> la </a:t>
+            </a:r>
+            <a:r>
+              <a:rPr lang="en-US" sz="1700" dirty="0" err="1">
+                <a:latin typeface="Calibri" panose="020F0502020204030204" pitchFamily="34" charset="0"/>
+                <a:cs typeface="Calibri" panose="020F0502020204030204" pitchFamily="34" charset="0"/>
+              </a:rPr>
+              <a:t>possibilità</a:t>
+            </a:r>
+            <a:r>
+              <a:rPr lang="en-US" sz="1700" dirty="0">
+                <a:latin typeface="Calibri" panose="020F0502020204030204" pitchFamily="34" charset="0"/>
+                <a:cs typeface="Calibri" panose="020F0502020204030204" pitchFamily="34" charset="0"/>
+              </a:rPr>
+              <a:t> di </a:t>
+            </a:r>
+            <a:r>
+              <a:rPr lang="en-US" sz="1700" dirty="0" err="1">
+                <a:latin typeface="Calibri" panose="020F0502020204030204" pitchFamily="34" charset="0"/>
+                <a:cs typeface="Calibri" panose="020F0502020204030204" pitchFamily="34" charset="0"/>
+              </a:rPr>
+              <a:t>possedere</a:t>
+            </a:r>
+            <a:r>
+              <a:rPr lang="en-US" sz="1700" dirty="0">
+                <a:latin typeface="Calibri" panose="020F0502020204030204" pitchFamily="34" charset="0"/>
+                <a:cs typeface="Calibri" panose="020F0502020204030204" pitchFamily="34" charset="0"/>
+              </a:rPr>
+              <a:t> </a:t>
+            </a:r>
+            <a:r>
+              <a:rPr lang="en-US" sz="1700" dirty="0" err="1">
+                <a:latin typeface="Calibri" panose="020F0502020204030204" pitchFamily="34" charset="0"/>
+                <a:cs typeface="Calibri" panose="020F0502020204030204" pitchFamily="34" charset="0"/>
+              </a:rPr>
+              <a:t>apparecchiature</a:t>
+            </a:r>
+            <a:r>
+              <a:rPr lang="en-US" sz="1700" dirty="0">
+                <a:latin typeface="Calibri" panose="020F0502020204030204" pitchFamily="34" charset="0"/>
+                <a:cs typeface="Calibri" panose="020F0502020204030204" pitchFamily="34" charset="0"/>
+              </a:rPr>
+              <a:t> </a:t>
+            </a:r>
+            <a:r>
+              <a:rPr lang="en-US" sz="1700" dirty="0" err="1">
+                <a:latin typeface="Calibri" panose="020F0502020204030204" pitchFamily="34" charset="0"/>
+                <a:cs typeface="Calibri" panose="020F0502020204030204" pitchFamily="34" charset="0"/>
+              </a:rPr>
+              <a:t>sofisticate</a:t>
+            </a:r>
+            <a:r>
+              <a:rPr lang="en-US" sz="1700" dirty="0">
+                <a:latin typeface="Calibri" panose="020F0502020204030204" pitchFamily="34" charset="0"/>
+                <a:cs typeface="Calibri" panose="020F0502020204030204" pitchFamily="34" charset="0"/>
+              </a:rPr>
+              <a:t> (es </a:t>
+            </a:r>
+            <a:r>
+              <a:rPr lang="en-US" sz="1700" dirty="0" err="1">
+                <a:latin typeface="Calibri" panose="020F0502020204030204" pitchFamily="34" charset="0"/>
+                <a:cs typeface="Calibri" panose="020F0502020204030204" pitchFamily="34" charset="0"/>
+              </a:rPr>
+              <a:t>droni</a:t>
+            </a:r>
+            <a:r>
+              <a:rPr lang="en-US" sz="1700" dirty="0">
+                <a:latin typeface="Calibri" panose="020F0502020204030204" pitchFamily="34" charset="0"/>
+                <a:cs typeface="Calibri" panose="020F0502020204030204" pitchFamily="34" charset="0"/>
+              </a:rPr>
+              <a:t> </a:t>
+            </a:r>
+            <a:r>
+              <a:rPr lang="en-US" sz="1700" dirty="0" err="1">
+                <a:latin typeface="Calibri" panose="020F0502020204030204" pitchFamily="34" charset="0"/>
+                <a:cs typeface="Calibri" panose="020F0502020204030204" pitchFamily="34" charset="0"/>
+              </a:rPr>
+              <a:t>militari</a:t>
+            </a:r>
+            <a:r>
+              <a:rPr lang="en-US" sz="1700" dirty="0">
+                <a:latin typeface="Calibri" panose="020F0502020204030204" pitchFamily="34" charset="0"/>
+                <a:cs typeface="Calibri" panose="020F0502020204030204" pitchFamily="34" charset="0"/>
+              </a:rPr>
+              <a:t> o </a:t>
+            </a:r>
+            <a:r>
+              <a:rPr lang="en-US" sz="1700" dirty="0" err="1">
+                <a:latin typeface="Calibri" panose="020F0502020204030204" pitchFamily="34" charset="0"/>
+                <a:cs typeface="Calibri" panose="020F0502020204030204" pitchFamily="34" charset="0"/>
+              </a:rPr>
+              <a:t>veicoli</a:t>
+            </a:r>
+            <a:r>
+              <a:rPr lang="en-US" sz="1700" dirty="0">
+                <a:latin typeface="Calibri" panose="020F0502020204030204" pitchFamily="34" charset="0"/>
+                <a:cs typeface="Calibri" panose="020F0502020204030204" pitchFamily="34" charset="0"/>
+              </a:rPr>
+              <a:t> AGV), </a:t>
+            </a:r>
+            <a:r>
+              <a:rPr lang="en-US" sz="1700" dirty="0" err="1">
+                <a:latin typeface="Calibri" panose="020F0502020204030204" pitchFamily="34" charset="0"/>
+                <a:cs typeface="Calibri" panose="020F0502020204030204" pitchFamily="34" charset="0"/>
+              </a:rPr>
+              <a:t>si</a:t>
+            </a:r>
+            <a:r>
+              <a:rPr lang="en-US" sz="1700" dirty="0">
+                <a:latin typeface="Calibri" panose="020F0502020204030204" pitchFamily="34" charset="0"/>
+                <a:cs typeface="Calibri" panose="020F0502020204030204" pitchFamily="34" charset="0"/>
+              </a:rPr>
+              <a:t> </a:t>
+            </a:r>
+            <a:r>
+              <a:rPr lang="en-US" sz="1700" dirty="0" err="1">
+                <a:latin typeface="Calibri" panose="020F0502020204030204" pitchFamily="34" charset="0"/>
+                <a:cs typeface="Calibri" panose="020F0502020204030204" pitchFamily="34" charset="0"/>
+              </a:rPr>
+              <a:t>vuole</a:t>
+            </a:r>
+            <a:r>
+              <a:rPr lang="en-US" sz="1700" dirty="0">
+                <a:latin typeface="Calibri" panose="020F0502020204030204" pitchFamily="34" charset="0"/>
+                <a:cs typeface="Calibri" panose="020F0502020204030204" pitchFamily="34" charset="0"/>
+              </a:rPr>
+              <a:t> </a:t>
+            </a:r>
+            <a:r>
+              <a:rPr lang="en-US" sz="1700" dirty="0" err="1">
+                <a:latin typeface="Calibri" panose="020F0502020204030204" pitchFamily="34" charset="0"/>
+                <a:cs typeface="Calibri" panose="020F0502020204030204" pitchFamily="34" charset="0"/>
+              </a:rPr>
+              <a:t>automatizzare</a:t>
+            </a:r>
+            <a:r>
+              <a:rPr lang="en-US" sz="1700" dirty="0">
+                <a:latin typeface="Calibri" panose="020F0502020204030204" pitchFamily="34" charset="0"/>
+                <a:cs typeface="Calibri" panose="020F0502020204030204" pitchFamily="34" charset="0"/>
+              </a:rPr>
+              <a:t> il </a:t>
+            </a:r>
+            <a:r>
+              <a:rPr lang="en-US" sz="1700" dirty="0" err="1">
+                <a:latin typeface="Calibri" panose="020F0502020204030204" pitchFamily="34" charset="0"/>
+                <a:cs typeface="Calibri" panose="020F0502020204030204" pitchFamily="34" charset="0"/>
+              </a:rPr>
+              <a:t>processo</a:t>
+            </a:r>
+            <a:r>
+              <a:rPr lang="en-US" sz="1700" dirty="0">
+                <a:latin typeface="Calibri" panose="020F0502020204030204" pitchFamily="34" charset="0"/>
+                <a:cs typeface="Calibri" panose="020F0502020204030204" pitchFamily="34" charset="0"/>
+              </a:rPr>
+              <a:t> di </a:t>
+            </a:r>
+            <a:r>
+              <a:rPr lang="en-US" sz="1700" dirty="0" err="1">
+                <a:latin typeface="Calibri" panose="020F0502020204030204" pitchFamily="34" charset="0"/>
+                <a:cs typeface="Calibri" panose="020F0502020204030204" pitchFamily="34" charset="0"/>
+              </a:rPr>
+              <a:t>soccorso</a:t>
+            </a:r>
+            <a:r>
+              <a:rPr lang="en-US" sz="1700" dirty="0">
+                <a:latin typeface="Calibri" panose="020F0502020204030204" pitchFamily="34" charset="0"/>
+                <a:cs typeface="Calibri" panose="020F0502020204030204" pitchFamily="34" charset="0"/>
+              </a:rPr>
+              <a:t>:</a:t>
             </a:r>
           </a:p>
           <a:p>
             <a:pPr marL="285750" indent="-285750">
+              <a:lnSpc>
+                <a:spcPct val="120000"/>
+              </a:lnSpc>
+              <a:spcAft>
+                <a:spcPts val="600"/>
+              </a:spcAft>
+              <a:buSzPct val="85000"/>
               <a:buFont typeface="Arial" panose="020B0604020202020204" pitchFamily="34" charset="0"/>
               <a:buChar char="•"/>
             </a:pPr>
             <a:r>
-              <a:rPr lang="it-IT" dirty="0"/>
-              <a:t>Non appena un tweet è classificato come disastro naturale/incidente si geolocalizza la posizione dell’incidente.</a:t>
+              <a:rPr lang="en-US" sz="1700" dirty="0">
+                <a:latin typeface="Calibri" panose="020F0502020204030204" pitchFamily="34" charset="0"/>
+                <a:cs typeface="Calibri" panose="020F0502020204030204" pitchFamily="34" charset="0"/>
+              </a:rPr>
+              <a:t>Non </a:t>
+            </a:r>
+            <a:r>
+              <a:rPr lang="en-US" sz="1700" dirty="0" err="1">
+                <a:latin typeface="Calibri" panose="020F0502020204030204" pitchFamily="34" charset="0"/>
+                <a:cs typeface="Calibri" panose="020F0502020204030204" pitchFamily="34" charset="0"/>
+              </a:rPr>
+              <a:t>appena</a:t>
+            </a:r>
+            <a:r>
+              <a:rPr lang="en-US" sz="1700" dirty="0">
+                <a:latin typeface="Calibri" panose="020F0502020204030204" pitchFamily="34" charset="0"/>
+                <a:cs typeface="Calibri" panose="020F0502020204030204" pitchFamily="34" charset="0"/>
+              </a:rPr>
+              <a:t> un tweet è </a:t>
+            </a:r>
+            <a:r>
+              <a:rPr lang="en-US" sz="1700" dirty="0" err="1">
+                <a:latin typeface="Calibri" panose="020F0502020204030204" pitchFamily="34" charset="0"/>
+                <a:cs typeface="Calibri" panose="020F0502020204030204" pitchFamily="34" charset="0"/>
+              </a:rPr>
+              <a:t>classificato</a:t>
+            </a:r>
+            <a:r>
+              <a:rPr lang="en-US" sz="1700" dirty="0">
+                <a:latin typeface="Calibri" panose="020F0502020204030204" pitchFamily="34" charset="0"/>
+                <a:cs typeface="Calibri" panose="020F0502020204030204" pitchFamily="34" charset="0"/>
+              </a:rPr>
+              <a:t> come </a:t>
+            </a:r>
+            <a:r>
+              <a:rPr lang="en-US" sz="1700" dirty="0" err="1">
+                <a:latin typeface="Calibri" panose="020F0502020204030204" pitchFamily="34" charset="0"/>
+                <a:cs typeface="Calibri" panose="020F0502020204030204" pitchFamily="34" charset="0"/>
+              </a:rPr>
+              <a:t>disastro</a:t>
+            </a:r>
+            <a:r>
+              <a:rPr lang="en-US" sz="1700" dirty="0">
+                <a:latin typeface="Calibri" panose="020F0502020204030204" pitchFamily="34" charset="0"/>
+                <a:cs typeface="Calibri" panose="020F0502020204030204" pitchFamily="34" charset="0"/>
+              </a:rPr>
+              <a:t> </a:t>
+            </a:r>
+            <a:r>
+              <a:rPr lang="en-US" sz="1700" dirty="0" err="1">
+                <a:latin typeface="Calibri" panose="020F0502020204030204" pitchFamily="34" charset="0"/>
+                <a:cs typeface="Calibri" panose="020F0502020204030204" pitchFamily="34" charset="0"/>
+              </a:rPr>
+              <a:t>naturale</a:t>
+            </a:r>
+            <a:r>
+              <a:rPr lang="en-US" sz="1700" dirty="0">
+                <a:latin typeface="Calibri" panose="020F0502020204030204" pitchFamily="34" charset="0"/>
+                <a:cs typeface="Calibri" panose="020F0502020204030204" pitchFamily="34" charset="0"/>
+              </a:rPr>
+              <a:t>/</a:t>
+            </a:r>
+            <a:r>
+              <a:rPr lang="en-US" sz="1700" dirty="0" err="1">
+                <a:latin typeface="Calibri" panose="020F0502020204030204" pitchFamily="34" charset="0"/>
+                <a:cs typeface="Calibri" panose="020F0502020204030204" pitchFamily="34" charset="0"/>
+              </a:rPr>
+              <a:t>incidente</a:t>
+            </a:r>
+            <a:r>
+              <a:rPr lang="en-US" sz="1700" dirty="0">
+                <a:latin typeface="Calibri" panose="020F0502020204030204" pitchFamily="34" charset="0"/>
+                <a:cs typeface="Calibri" panose="020F0502020204030204" pitchFamily="34" charset="0"/>
+              </a:rPr>
+              <a:t> </a:t>
+            </a:r>
+            <a:r>
+              <a:rPr lang="en-US" sz="1700" dirty="0" err="1">
+                <a:latin typeface="Calibri" panose="020F0502020204030204" pitchFamily="34" charset="0"/>
+                <a:cs typeface="Calibri" panose="020F0502020204030204" pitchFamily="34" charset="0"/>
+              </a:rPr>
+              <a:t>si</a:t>
+            </a:r>
+            <a:r>
+              <a:rPr lang="en-US" sz="1700" dirty="0">
+                <a:latin typeface="Calibri" panose="020F0502020204030204" pitchFamily="34" charset="0"/>
+                <a:cs typeface="Calibri" panose="020F0502020204030204" pitchFamily="34" charset="0"/>
+              </a:rPr>
+              <a:t> </a:t>
+            </a:r>
+            <a:r>
+              <a:rPr lang="en-US" sz="1700" dirty="0" err="1">
+                <a:latin typeface="Calibri" panose="020F0502020204030204" pitchFamily="34" charset="0"/>
+                <a:cs typeface="Calibri" panose="020F0502020204030204" pitchFamily="34" charset="0"/>
+              </a:rPr>
+              <a:t>geolocalizza</a:t>
+            </a:r>
+            <a:r>
+              <a:rPr lang="en-US" sz="1700" dirty="0">
+                <a:latin typeface="Calibri" panose="020F0502020204030204" pitchFamily="34" charset="0"/>
+                <a:cs typeface="Calibri" panose="020F0502020204030204" pitchFamily="34" charset="0"/>
+              </a:rPr>
+              <a:t> la </a:t>
+            </a:r>
+            <a:r>
+              <a:rPr lang="en-US" sz="1700" dirty="0" err="1">
+                <a:latin typeface="Calibri" panose="020F0502020204030204" pitchFamily="34" charset="0"/>
+                <a:cs typeface="Calibri" panose="020F0502020204030204" pitchFamily="34" charset="0"/>
+              </a:rPr>
+              <a:t>posizione</a:t>
+            </a:r>
+            <a:r>
+              <a:rPr lang="en-US" sz="1700" dirty="0">
+                <a:latin typeface="Calibri" panose="020F0502020204030204" pitchFamily="34" charset="0"/>
+                <a:cs typeface="Calibri" panose="020F0502020204030204" pitchFamily="34" charset="0"/>
+              </a:rPr>
+              <a:t> </a:t>
+            </a:r>
+            <a:r>
+              <a:rPr lang="en-US" sz="1700" dirty="0" err="1">
+                <a:latin typeface="Calibri" panose="020F0502020204030204" pitchFamily="34" charset="0"/>
+                <a:cs typeface="Calibri" panose="020F0502020204030204" pitchFamily="34" charset="0"/>
+              </a:rPr>
+              <a:t>dell’incidente</a:t>
+            </a:r>
+            <a:r>
+              <a:rPr lang="en-US" sz="1700" dirty="0">
+                <a:latin typeface="Calibri" panose="020F0502020204030204" pitchFamily="34" charset="0"/>
+                <a:cs typeface="Calibri" panose="020F0502020204030204" pitchFamily="34" charset="0"/>
+              </a:rPr>
+              <a:t>.</a:t>
             </a:r>
           </a:p>
           <a:p>
             <a:pPr marL="285750" indent="-285750">
+              <a:lnSpc>
+                <a:spcPct val="120000"/>
+              </a:lnSpc>
+              <a:spcAft>
+                <a:spcPts val="600"/>
+              </a:spcAft>
+              <a:buSzPct val="85000"/>
               <a:buFont typeface="Arial" panose="020B0604020202020204" pitchFamily="34" charset="0"/>
               <a:buChar char="•"/>
             </a:pPr>
             <a:r>
-              <a:rPr lang="it-IT" dirty="0"/>
-              <a:t>Si allerta l’ente competente più vicino al luogo dell’incidente</a:t>
-            </a:r>
+              <a:rPr lang="en-US" sz="1700" dirty="0">
+                <a:latin typeface="Calibri" panose="020F0502020204030204" pitchFamily="34" charset="0"/>
+                <a:cs typeface="Calibri" panose="020F0502020204030204" pitchFamily="34" charset="0"/>
+              </a:rPr>
+              <a:t>Si </a:t>
+            </a:r>
+            <a:r>
+              <a:rPr lang="en-US" sz="1700" dirty="0" err="1">
+                <a:latin typeface="Calibri" panose="020F0502020204030204" pitchFamily="34" charset="0"/>
+                <a:cs typeface="Calibri" panose="020F0502020204030204" pitchFamily="34" charset="0"/>
+              </a:rPr>
+              <a:t>allerta</a:t>
+            </a:r>
+            <a:r>
+              <a:rPr lang="en-US" sz="1700" dirty="0">
+                <a:latin typeface="Calibri" panose="020F0502020204030204" pitchFamily="34" charset="0"/>
+                <a:cs typeface="Calibri" panose="020F0502020204030204" pitchFamily="34" charset="0"/>
+              </a:rPr>
+              <a:t> </a:t>
+            </a:r>
+            <a:r>
+              <a:rPr lang="en-US" sz="1700" dirty="0" err="1">
+                <a:latin typeface="Calibri" panose="020F0502020204030204" pitchFamily="34" charset="0"/>
+                <a:cs typeface="Calibri" panose="020F0502020204030204" pitchFamily="34" charset="0"/>
+              </a:rPr>
+              <a:t>l’ente</a:t>
+            </a:r>
+            <a:r>
+              <a:rPr lang="en-US" sz="1700" dirty="0">
+                <a:latin typeface="Calibri" panose="020F0502020204030204" pitchFamily="34" charset="0"/>
+                <a:cs typeface="Calibri" panose="020F0502020204030204" pitchFamily="34" charset="0"/>
+              </a:rPr>
+              <a:t> </a:t>
+            </a:r>
+            <a:r>
+              <a:rPr lang="en-US" sz="1700" dirty="0" err="1">
+                <a:latin typeface="Calibri" panose="020F0502020204030204" pitchFamily="34" charset="0"/>
+                <a:cs typeface="Calibri" panose="020F0502020204030204" pitchFamily="34" charset="0"/>
+              </a:rPr>
+              <a:t>competente</a:t>
+            </a:r>
+            <a:r>
+              <a:rPr lang="en-US" sz="1700" dirty="0">
+                <a:latin typeface="Calibri" panose="020F0502020204030204" pitchFamily="34" charset="0"/>
+                <a:cs typeface="Calibri" panose="020F0502020204030204" pitchFamily="34" charset="0"/>
+              </a:rPr>
+              <a:t> </a:t>
+            </a:r>
+            <a:r>
+              <a:rPr lang="en-US" sz="1700" dirty="0" err="1">
+                <a:latin typeface="Calibri" panose="020F0502020204030204" pitchFamily="34" charset="0"/>
+                <a:cs typeface="Calibri" panose="020F0502020204030204" pitchFamily="34" charset="0"/>
+              </a:rPr>
+              <a:t>più</a:t>
+            </a:r>
+            <a:r>
+              <a:rPr lang="en-US" sz="1700" dirty="0">
+                <a:latin typeface="Calibri" panose="020F0502020204030204" pitchFamily="34" charset="0"/>
+                <a:cs typeface="Calibri" panose="020F0502020204030204" pitchFamily="34" charset="0"/>
+              </a:rPr>
+              <a:t> </a:t>
+            </a:r>
+            <a:r>
+              <a:rPr lang="en-US" sz="1700" dirty="0" err="1">
+                <a:latin typeface="Calibri" panose="020F0502020204030204" pitchFamily="34" charset="0"/>
+                <a:cs typeface="Calibri" panose="020F0502020204030204" pitchFamily="34" charset="0"/>
+              </a:rPr>
+              <a:t>vicino</a:t>
+            </a:r>
+            <a:r>
+              <a:rPr lang="en-US" sz="1700" dirty="0">
+                <a:latin typeface="Calibri" panose="020F0502020204030204" pitchFamily="34" charset="0"/>
+                <a:cs typeface="Calibri" panose="020F0502020204030204" pitchFamily="34" charset="0"/>
+              </a:rPr>
+              <a:t> al </a:t>
+            </a:r>
+            <a:r>
+              <a:rPr lang="en-US" sz="1700" dirty="0" err="1">
+                <a:latin typeface="Calibri" panose="020F0502020204030204" pitchFamily="34" charset="0"/>
+                <a:cs typeface="Calibri" panose="020F0502020204030204" pitchFamily="34" charset="0"/>
+              </a:rPr>
+              <a:t>luogo</a:t>
+            </a:r>
+            <a:r>
+              <a:rPr lang="en-US" sz="1700" dirty="0">
+                <a:latin typeface="Calibri" panose="020F0502020204030204" pitchFamily="34" charset="0"/>
+                <a:cs typeface="Calibri" panose="020F0502020204030204" pitchFamily="34" charset="0"/>
+              </a:rPr>
+              <a:t> </a:t>
+            </a:r>
+            <a:r>
+              <a:rPr lang="en-US" sz="1700" dirty="0" err="1">
+                <a:latin typeface="Calibri" panose="020F0502020204030204" pitchFamily="34" charset="0"/>
+                <a:cs typeface="Calibri" panose="020F0502020204030204" pitchFamily="34" charset="0"/>
+              </a:rPr>
+              <a:t>dell’incidente</a:t>
+            </a:r>
+            <a:endParaRPr lang="en-US" sz="1700" dirty="0">
+              <a:latin typeface="Calibri" panose="020F0502020204030204" pitchFamily="34" charset="0"/>
+              <a:cs typeface="Calibri" panose="020F0502020204030204" pitchFamily="34" charset="0"/>
+            </a:endParaRPr>
           </a:p>
           <a:p>
             <a:pPr marL="285750" indent="-285750">
+              <a:lnSpc>
+                <a:spcPct val="120000"/>
+              </a:lnSpc>
+              <a:spcAft>
+                <a:spcPts val="600"/>
+              </a:spcAft>
+              <a:buSzPct val="85000"/>
               <a:buFont typeface="Arial" panose="020B0604020202020204" pitchFamily="34" charset="0"/>
               <a:buChar char="•"/>
             </a:pPr>
             <a:r>
-              <a:rPr lang="en-GB" dirty="0"/>
+              <a:rPr lang="en-US" sz="1700" dirty="0">
+                <a:latin typeface="Calibri" panose="020F0502020204030204" pitchFamily="34" charset="0"/>
+                <a:cs typeface="Calibri" panose="020F0502020204030204" pitchFamily="34" charset="0"/>
+              </a:rPr>
               <a:t>Un </a:t>
             </a:r>
             <a:r>
-              <a:rPr lang="en-GB" dirty="0" err="1"/>
+              <a:rPr lang="en-US" sz="1700" dirty="0" err="1">
+                <a:latin typeface="Calibri" panose="020F0502020204030204" pitchFamily="34" charset="0"/>
+                <a:cs typeface="Calibri" panose="020F0502020204030204" pitchFamily="34" charset="0"/>
+              </a:rPr>
               <a:t>veicolo</a:t>
             </a:r>
             <a:r>
-              <a:rPr lang="en-GB" dirty="0"/>
+              <a:rPr lang="en-US" sz="1700" dirty="0">
+                <a:latin typeface="Calibri" panose="020F0502020204030204" pitchFamily="34" charset="0"/>
+                <a:cs typeface="Calibri" panose="020F0502020204030204" pitchFamily="34" charset="0"/>
+              </a:rPr>
               <a:t> </a:t>
             </a:r>
             <a:r>
-              <a:rPr lang="en-GB" dirty="0" err="1"/>
+              <a:rPr lang="en-US" sz="1700" dirty="0" err="1">
+                <a:latin typeface="Calibri" panose="020F0502020204030204" pitchFamily="34" charset="0"/>
+                <a:cs typeface="Calibri" panose="020F0502020204030204" pitchFamily="34" charset="0"/>
+              </a:rPr>
               <a:t>autonomo</a:t>
             </a:r>
             <a:r>
-              <a:rPr lang="en-GB" dirty="0"/>
+              <a:rPr lang="en-US" sz="1700" dirty="0">
+                <a:latin typeface="Calibri" panose="020F0502020204030204" pitchFamily="34" charset="0"/>
+                <a:cs typeface="Calibri" panose="020F0502020204030204" pitchFamily="34" charset="0"/>
+              </a:rPr>
               <a:t> </a:t>
             </a:r>
             <a:r>
-              <a:rPr lang="en-GB" dirty="0" err="1"/>
+              <a:rPr lang="en-US" sz="1700" dirty="0" err="1">
+                <a:latin typeface="Calibri" panose="020F0502020204030204" pitchFamily="34" charset="0"/>
+                <a:cs typeface="Calibri" panose="020F0502020204030204" pitchFamily="34" charset="0"/>
+              </a:rPr>
               <a:t>viene</a:t>
             </a:r>
             <a:r>
-              <a:rPr lang="en-GB" dirty="0"/>
+              <a:rPr lang="en-US" sz="1700" dirty="0">
+                <a:latin typeface="Calibri" panose="020F0502020204030204" pitchFamily="34" charset="0"/>
+                <a:cs typeface="Calibri" panose="020F0502020204030204" pitchFamily="34" charset="0"/>
+              </a:rPr>
               <a:t> </a:t>
             </a:r>
             <a:r>
-              <a:rPr lang="en-GB" dirty="0" err="1"/>
+              <a:rPr lang="en-US" sz="1700" dirty="0" err="1">
+                <a:latin typeface="Calibri" panose="020F0502020204030204" pitchFamily="34" charset="0"/>
+                <a:cs typeface="Calibri" panose="020F0502020204030204" pitchFamily="34" charset="0"/>
+              </a:rPr>
               <a:t>inviato</a:t>
             </a:r>
             <a:r>
-              <a:rPr lang="en-GB" dirty="0"/>
-              <a:t> per </a:t>
-            </a:r>
-            <a:r>
-              <a:rPr lang="it-IT" dirty="0"/>
-              <a:t>fare</a:t>
-            </a:r>
-            <a:r>
-              <a:rPr lang="en-GB" dirty="0"/>
-              <a:t> un </a:t>
-            </a:r>
-            <a:r>
-              <a:rPr lang="en-GB" dirty="0" err="1"/>
+              <a:rPr lang="en-US" sz="1700" dirty="0">
+                <a:latin typeface="Calibri" panose="020F0502020204030204" pitchFamily="34" charset="0"/>
+                <a:cs typeface="Calibri" panose="020F0502020204030204" pitchFamily="34" charset="0"/>
+              </a:rPr>
+              <a:t> per fare un </a:t>
+            </a:r>
+            <a:r>
+              <a:rPr lang="en-US" sz="1700" dirty="0" err="1">
+                <a:latin typeface="Calibri" panose="020F0502020204030204" pitchFamily="34" charset="0"/>
+                <a:cs typeface="Calibri" panose="020F0502020204030204" pitchFamily="34" charset="0"/>
+              </a:rPr>
               <a:t>sopraluogo</a:t>
             </a:r>
             <a:r>
-              <a:rPr lang="en-GB" dirty="0"/>
+              <a:rPr lang="en-US" sz="1700" dirty="0">
+                <a:latin typeface="Calibri" panose="020F0502020204030204" pitchFamily="34" charset="0"/>
+                <a:cs typeface="Calibri" panose="020F0502020204030204" pitchFamily="34" charset="0"/>
+              </a:rPr>
               <a:t> e </a:t>
             </a:r>
             <a:r>
-              <a:rPr lang="en-GB" dirty="0" err="1"/>
+              <a:rPr lang="en-US" sz="1700" dirty="0" err="1">
+                <a:latin typeface="Calibri" panose="020F0502020204030204" pitchFamily="34" charset="0"/>
+                <a:cs typeface="Calibri" panose="020F0502020204030204" pitchFamily="34" charset="0"/>
+              </a:rPr>
               <a:t>inivare</a:t>
             </a:r>
             <a:r>
-              <a:rPr lang="en-GB" dirty="0"/>
+              <a:rPr lang="en-US" sz="1700" dirty="0">
+                <a:latin typeface="Calibri" panose="020F0502020204030204" pitchFamily="34" charset="0"/>
+                <a:cs typeface="Calibri" panose="020F0502020204030204" pitchFamily="34" charset="0"/>
+              </a:rPr>
               <a:t> </a:t>
             </a:r>
             <a:r>
-              <a:rPr lang="en-GB" dirty="0" err="1"/>
-              <a:t>delle</a:t>
-            </a:r>
-            <a:r>
-              <a:rPr lang="en-GB" dirty="0"/>
+              <a:rPr lang="en-US" sz="1700" dirty="0" err="1">
+                <a:latin typeface="Calibri" panose="020F0502020204030204" pitchFamily="34" charset="0"/>
+                <a:cs typeface="Calibri" panose="020F0502020204030204" pitchFamily="34" charset="0"/>
+              </a:rPr>
+              <a:t>immagini</a:t>
+            </a:r>
+            <a:r>
+              <a:rPr lang="en-US" sz="1700" dirty="0">
+                <a:latin typeface="Calibri" panose="020F0502020204030204" pitchFamily="34" charset="0"/>
+                <a:cs typeface="Calibri" panose="020F0502020204030204" pitchFamily="34" charset="0"/>
+              </a:rPr>
+              <a:t> e </a:t>
+            </a:r>
+            <a:r>
+              <a:rPr lang="en-US" sz="1700" dirty="0" err="1">
+                <a:latin typeface="Calibri" panose="020F0502020204030204" pitchFamily="34" charset="0"/>
+                <a:cs typeface="Calibri" panose="020F0502020204030204" pitchFamily="34" charset="0"/>
+              </a:rPr>
+              <a:t>dati</a:t>
+            </a:r>
+            <a:r>
+              <a:rPr lang="en-US" sz="1700" dirty="0">
+                <a:latin typeface="Calibri" panose="020F0502020204030204" pitchFamily="34" charset="0"/>
+                <a:cs typeface="Calibri" panose="020F0502020204030204" pitchFamily="34" charset="0"/>
+              </a:rPr>
               <a:t> </a:t>
             </a:r>
             <a:r>
-              <a:rPr lang="en-GB" dirty="0" err="1"/>
-              <a:t>immagini</a:t>
-            </a:r>
-            <a:r>
-              <a:rPr lang="en-GB" dirty="0"/>
-              <a:t> </a:t>
-            </a:r>
-            <a:r>
-              <a:rPr lang="en-GB" dirty="0" err="1"/>
+              <a:rPr lang="en-US" sz="1700" dirty="0" err="1">
+                <a:latin typeface="Calibri" panose="020F0502020204030204" pitchFamily="34" charset="0"/>
+                <a:cs typeface="Calibri" panose="020F0502020204030204" pitchFamily="34" charset="0"/>
+              </a:rPr>
               <a:t>alla</a:t>
             </a:r>
             <a:r>
-              <a:rPr lang="en-GB" dirty="0"/>
+              <a:rPr lang="en-US" sz="1700" dirty="0">
+                <a:latin typeface="Calibri" panose="020F0502020204030204" pitchFamily="34" charset="0"/>
+                <a:cs typeface="Calibri" panose="020F0502020204030204" pitchFamily="34" charset="0"/>
+              </a:rPr>
               <a:t> centrale</a:t>
             </a:r>
           </a:p>
           <a:p>
             <a:pPr marL="285750" indent="-285750">
+              <a:lnSpc>
+                <a:spcPct val="120000"/>
+              </a:lnSpc>
+              <a:spcAft>
+                <a:spcPts val="600"/>
+              </a:spcAft>
+              <a:buSzPct val="85000"/>
               <a:buFont typeface="Arial" panose="020B0604020202020204" pitchFamily="34" charset="0"/>
               <a:buChar char="•"/>
             </a:pPr>
-            <a:endParaRPr lang="it-IT" dirty="0"/>
-          </a:p>
-        </p:txBody>
-      </p:sp>
+            <a:endParaRPr lang="en-US" sz="1100" dirty="0"/>
+          </a:p>
+        </p:txBody>
+      </p:sp>
+      <p:sp>
+        <p:nvSpPr>
+          <p:cNvPr id="17" name="Oval 13">
+            <a:extLst>
+              <a:ext uri="{FF2B5EF4-FFF2-40B4-BE49-F238E27FC236}">
+                <a16:creationId xmlns:a16="http://schemas.microsoft.com/office/drawing/2014/main" id="{CE9A9457-874F-4EEB-BF07-9CEA561C1196}"/>
+              </a:ext>
+              <a:ext uri="{C183D7F6-B498-43B3-948B-1728B52AA6E4}">
+                <adec:decorative xmlns:adec="http://schemas.microsoft.com/office/drawing/2017/decorative" val="1"/>
+              </a:ext>
+            </a:extLst>
+          </p:cNvPr>
+          <p:cNvSpPr>
+            <a:spLocks noGrp="1" noRot="1" noChangeAspect="1" noMove="1" noResize="1" noEditPoints="1" noAdjustHandles="1" noChangeArrowheads="1" noChangeShapeType="1" noTextEdit="1"/>
+          </p:cNvSpPr>
+          <p:nvPr>
+            <p:extLst>
+              <p:ext uri="{386F3935-93C4-4BCD-93E2-E3B085C9AB24}">
+                <p16:designElem xmlns:p16="http://schemas.microsoft.com/office/powerpoint/2015/main" val="1"/>
+              </p:ext>
+            </p:extLst>
+          </p:nvPr>
+        </p:nvSpPr>
+        <p:spPr>
+          <a:xfrm>
+            <a:off x="6639965" y="1114197"/>
+            <a:ext cx="4629606" cy="4629606"/>
+          </a:xfrm>
+          <a:prstGeom prst="ellipse">
+            <a:avLst/>
+          </a:prstGeom>
+          <a:solidFill>
+            <a:schemeClr val="tx1"/>
+          </a:solidFill>
+          <a:ln>
+            <a:noFill/>
+          </a:ln>
+        </p:spPr>
+        <p:style>
+          <a:lnRef idx="2">
+            <a:schemeClr val="accent1">
+              <a:shade val="50000"/>
+            </a:schemeClr>
+          </a:lnRef>
+          <a:fillRef idx="1">
+            <a:schemeClr val="accent1"/>
+          </a:fillRef>
+          <a:effectRef idx="0">
+            <a:schemeClr val="accent1"/>
+          </a:effectRef>
+          <a:fontRef idx="minor">
+            <a:schemeClr val="lt1"/>
+          </a:fontRef>
+        </p:style>
+        <p:txBody>
+          <a:bodyPr rtlCol="0" anchor="ctr"/>
+          <a:lstStyle/>
+          <a:p>
+            <a:pPr algn="ctr"/>
+            <a:endParaRPr lang="en-US"/>
+          </a:p>
+        </p:txBody>
+      </p:sp>
+      <p:pic>
+        <p:nvPicPr>
+          <p:cNvPr id="5" name="Immagine 4">
+            <a:extLst>
+              <a:ext uri="{FF2B5EF4-FFF2-40B4-BE49-F238E27FC236}">
+                <a16:creationId xmlns:a16="http://schemas.microsoft.com/office/drawing/2014/main" id="{675E0248-BF12-48BB-96DB-90F10FDDA0D1}"/>
+              </a:ext>
+            </a:extLst>
+          </p:cNvPr>
+          <p:cNvPicPr>
+            <a:picLocks noChangeAspect="1"/>
+          </p:cNvPicPr>
+          <p:nvPr/>
+        </p:nvPicPr>
+        <p:blipFill>
+          <a:blip r:embed="rId2"/>
+          <a:stretch>
+            <a:fillRect/>
+          </a:stretch>
+        </p:blipFill>
+        <p:spPr>
+          <a:xfrm>
+            <a:off x="7200897" y="2178217"/>
+            <a:ext cx="3426802" cy="2501565"/>
+          </a:xfrm>
+          <a:prstGeom prst="rect">
+            <a:avLst/>
+          </a:prstGeom>
+        </p:spPr>
+      </p:pic>
     </p:spTree>
     <p:extLst>
       <p:ext uri="{BB962C8B-B14F-4D97-AF65-F5344CB8AC3E}">
@@ -4959,6 +6213,940 @@
 </file>
 
 <file path=ppt/slides/slide4.xml><?xml version="1.0" encoding="utf-8"?>
+<p:sld xmlns:a="http://schemas.openxmlformats.org/drawingml/2006/main" xmlns:r="http://schemas.openxmlformats.org/officeDocument/2006/relationships" xmlns:p="http://schemas.openxmlformats.org/presentationml/2006/main">
+  <p:cSld>
+    <p:bg>
+      <p:bgPr>
+        <a:solidFill>
+          <a:schemeClr val="tx1"/>
+        </a:solidFill>
+        <a:effectLst/>
+      </p:bgPr>
+    </p:bg>
+    <p:spTree>
+      <p:nvGrpSpPr>
+        <p:cNvPr id="1" name=""/>
+        <p:cNvGrpSpPr/>
+        <p:nvPr/>
+      </p:nvGrpSpPr>
+      <p:grpSpPr>
+        <a:xfrm>
+          <a:off x="0" y="0"/>
+          <a:ext cx="0" cy="0"/>
+          <a:chOff x="0" y="0"/>
+          <a:chExt cx="0" cy="0"/>
+        </a:xfrm>
+      </p:grpSpPr>
+      <p:sp useBgFill="1">
+        <p:nvSpPr>
+          <p:cNvPr id="1028" name="Rectangle 70">
+            <a:extLst>
+              <a:ext uri="{FF2B5EF4-FFF2-40B4-BE49-F238E27FC236}">
+                <a16:creationId xmlns:a16="http://schemas.microsoft.com/office/drawing/2014/main" id="{D7DD8518-4289-43CE-9E36-8E7E0D7DDF70}"/>
+              </a:ext>
+              <a:ext uri="{C183D7F6-B498-43B3-948B-1728B52AA6E4}">
+                <adec:decorative xmlns:adec="http://schemas.microsoft.com/office/drawing/2017/decorative" val="1"/>
+              </a:ext>
+            </a:extLst>
+          </p:cNvPr>
+          <p:cNvSpPr>
+            <a:spLocks noGrp="1" noRot="1" noChangeAspect="1" noMove="1" noResize="1" noEditPoints="1" noAdjustHandles="1" noChangeArrowheads="1" noChangeShapeType="1" noTextEdit="1"/>
+          </p:cNvSpPr>
+          <p:nvPr>
+            <p:extLst>
+              <p:ext uri="{386F3935-93C4-4BCD-93E2-E3B085C9AB24}">
+                <p16:designElem xmlns:p16="http://schemas.microsoft.com/office/powerpoint/2015/main" val="1"/>
+              </p:ext>
+            </p:extLst>
+          </p:nvPr>
+        </p:nvSpPr>
+        <p:spPr>
+          <a:xfrm>
+            <a:off x="0" y="0"/>
+            <a:ext cx="12192000" cy="6858000"/>
+          </a:xfrm>
+          <a:prstGeom prst="rect">
+            <a:avLst/>
+          </a:prstGeom>
+          <a:ln w="12700" cap="flat" cmpd="sng" algn="ctr">
+            <a:noFill/>
+            <a:prstDash val="solid"/>
+            <a:miter lim="800000"/>
+          </a:ln>
+          <a:effectLst/>
+        </p:spPr>
+        <p:style>
+          <a:lnRef idx="2">
+            <a:schemeClr val="accent1">
+              <a:shade val="50000"/>
+            </a:schemeClr>
+          </a:lnRef>
+          <a:fillRef idx="1">
+            <a:schemeClr val="accent1"/>
+          </a:fillRef>
+          <a:effectRef idx="0">
+            <a:schemeClr val="accent1"/>
+          </a:effectRef>
+          <a:fontRef idx="minor">
+            <a:schemeClr val="lt1"/>
+          </a:fontRef>
+        </p:style>
+        <p:txBody>
+          <a:bodyPr rtlCol="0" anchor="ctr"/>
+          <a:lstStyle/>
+          <a:p>
+            <a:pPr algn="ctr"/>
+            <a:endParaRPr lang="en-US"/>
+          </a:p>
+        </p:txBody>
+      </p:sp>
+      <p:sp>
+        <p:nvSpPr>
+          <p:cNvPr id="2" name="Titolo 1">
+            <a:extLst>
+              <a:ext uri="{FF2B5EF4-FFF2-40B4-BE49-F238E27FC236}">
+                <a16:creationId xmlns:a16="http://schemas.microsoft.com/office/drawing/2014/main" id="{28EEE2D4-7951-4283-ABCA-FFAAB5C81190}"/>
+              </a:ext>
+            </a:extLst>
+          </p:cNvPr>
+          <p:cNvSpPr>
+            <a:spLocks noGrp="1"/>
+          </p:cNvSpPr>
+          <p:nvPr>
+            <p:ph type="title"/>
+          </p:nvPr>
+        </p:nvSpPr>
+        <p:spPr>
+          <a:xfrm>
+            <a:off x="447672" y="381001"/>
+            <a:ext cx="4991103" cy="1141004"/>
+          </a:xfrm>
+        </p:spPr>
+        <p:txBody>
+          <a:bodyPr>
+            <a:normAutofit/>
+          </a:bodyPr>
+          <a:lstStyle/>
+          <a:p>
+            <a:r>
+              <a:rPr lang="en-GB" dirty="0">
+                <a:solidFill>
+                  <a:schemeClr val="bg1"/>
+                </a:solidFill>
+              </a:rPr>
+              <a:t>Natural language processing</a:t>
+            </a:r>
+          </a:p>
+        </p:txBody>
+      </p:sp>
+      <p:sp>
+        <p:nvSpPr>
+          <p:cNvPr id="5" name="Segnaposto contenuto 4">
+            <a:extLst>
+              <a:ext uri="{FF2B5EF4-FFF2-40B4-BE49-F238E27FC236}">
+                <a16:creationId xmlns:a16="http://schemas.microsoft.com/office/drawing/2014/main" id="{3BB95975-4E41-4ADA-8C84-4681E3CC6FA3}"/>
+              </a:ext>
+            </a:extLst>
+          </p:cNvPr>
+          <p:cNvSpPr>
+            <a:spLocks noGrp="1"/>
+          </p:cNvSpPr>
+          <p:nvPr>
+            <p:ph idx="1"/>
+          </p:nvPr>
+        </p:nvSpPr>
+        <p:spPr>
+          <a:xfrm>
+            <a:off x="304800" y="1714501"/>
+            <a:ext cx="6038849" cy="4933950"/>
+          </a:xfrm>
+        </p:spPr>
+        <p:txBody>
+          <a:bodyPr>
+            <a:normAutofit/>
+          </a:bodyPr>
+          <a:lstStyle/>
+          <a:p>
+            <a:pPr marL="0" indent="0">
+              <a:lnSpc>
+                <a:spcPct val="120000"/>
+              </a:lnSpc>
+              <a:buNone/>
+            </a:pPr>
+            <a:r>
+              <a:rPr lang="it-IT" b="0" i="0" dirty="0">
+                <a:solidFill>
+                  <a:schemeClr val="bg1"/>
+                </a:solidFill>
+                <a:effectLst/>
+                <a:latin typeface="Calibri" panose="020F0502020204030204" pitchFamily="34" charset="0"/>
+                <a:cs typeface="Calibri" panose="020F0502020204030204" pitchFamily="34" charset="0"/>
+              </a:rPr>
+              <a:t>L'</a:t>
+            </a:r>
+            <a:r>
+              <a:rPr lang="it-IT" b="1" i="0" dirty="0">
+                <a:solidFill>
+                  <a:schemeClr val="bg1"/>
+                </a:solidFill>
+                <a:effectLst/>
+                <a:latin typeface="Calibri" panose="020F0502020204030204" pitchFamily="34" charset="0"/>
+                <a:cs typeface="Calibri" panose="020F0502020204030204" pitchFamily="34" charset="0"/>
+              </a:rPr>
+              <a:t>elaborazione del linguaggio naturale (NLP)</a:t>
+            </a:r>
+            <a:r>
+              <a:rPr lang="it-IT" b="0" i="0" dirty="0">
+                <a:solidFill>
+                  <a:schemeClr val="bg1"/>
+                </a:solidFill>
+                <a:effectLst/>
+                <a:latin typeface="Calibri" panose="020F0502020204030204" pitchFamily="34" charset="0"/>
+                <a:cs typeface="Calibri" panose="020F0502020204030204" pitchFamily="34" charset="0"/>
+              </a:rPr>
+              <a:t> è il processo di trattamento automatico mediante un </a:t>
+            </a:r>
+            <a:r>
+              <a:rPr lang="it-IT" dirty="0">
+                <a:solidFill>
+                  <a:schemeClr val="bg1"/>
+                </a:solidFill>
+                <a:latin typeface="Calibri" panose="020F0502020204030204" pitchFamily="34" charset="0"/>
+                <a:cs typeface="Calibri" panose="020F0502020204030204" pitchFamily="34" charset="0"/>
+              </a:rPr>
+              <a:t>calcolatore elettronico</a:t>
+            </a:r>
+            <a:r>
+              <a:rPr lang="it-IT" b="0" i="0" dirty="0">
+                <a:solidFill>
+                  <a:schemeClr val="bg1"/>
+                </a:solidFill>
+                <a:effectLst/>
+                <a:latin typeface="Calibri" panose="020F0502020204030204" pitchFamily="34" charset="0"/>
+                <a:cs typeface="Calibri" panose="020F0502020204030204" pitchFamily="34" charset="0"/>
+              </a:rPr>
+              <a:t> delle informazioni scritte o parlate in una </a:t>
+            </a:r>
+            <a:r>
+              <a:rPr lang="it-IT" dirty="0">
+                <a:solidFill>
+                  <a:schemeClr val="bg1"/>
+                </a:solidFill>
+                <a:latin typeface="Calibri" panose="020F0502020204030204" pitchFamily="34" charset="0"/>
+                <a:cs typeface="Calibri" panose="020F0502020204030204" pitchFamily="34" charset="0"/>
+              </a:rPr>
+              <a:t>lingua</a:t>
+            </a:r>
+            <a:r>
+              <a:rPr lang="it-IT" b="0" i="0" dirty="0">
+                <a:solidFill>
+                  <a:schemeClr val="bg1"/>
+                </a:solidFill>
+                <a:effectLst/>
+                <a:latin typeface="Calibri" panose="020F0502020204030204" pitchFamily="34" charset="0"/>
+                <a:cs typeface="Calibri" panose="020F0502020204030204" pitchFamily="34" charset="0"/>
+              </a:rPr>
+              <a:t>.</a:t>
+            </a:r>
+          </a:p>
+          <a:p>
+            <a:pPr>
+              <a:lnSpc>
+                <a:spcPct val="120000"/>
+              </a:lnSpc>
+              <a:buFont typeface="Arial" panose="020B0604020202020204" pitchFamily="34" charset="0"/>
+              <a:buChar char="•"/>
+            </a:pPr>
+            <a:r>
+              <a:rPr lang="it-IT" b="1" dirty="0">
+                <a:solidFill>
+                  <a:schemeClr val="bg1"/>
+                </a:solidFill>
+                <a:latin typeface="Calibri" panose="020F0502020204030204" pitchFamily="34" charset="0"/>
+                <a:cs typeface="Calibri" panose="020F0502020204030204" pitchFamily="34" charset="0"/>
+              </a:rPr>
+              <a:t>analisi lessicale</a:t>
+            </a:r>
+            <a:r>
+              <a:rPr lang="it-IT" b="0" i="0" dirty="0">
+                <a:solidFill>
+                  <a:schemeClr val="bg1"/>
+                </a:solidFill>
+                <a:effectLst/>
+                <a:latin typeface="Calibri" panose="020F0502020204030204" pitchFamily="34" charset="0"/>
+                <a:cs typeface="Calibri" panose="020F0502020204030204" pitchFamily="34" charset="0"/>
+              </a:rPr>
+              <a:t>: scomposizione di un'espressione linguistica in </a:t>
+            </a:r>
+            <a:r>
+              <a:rPr lang="it-IT" b="0" i="1" dirty="0">
+                <a:solidFill>
+                  <a:schemeClr val="bg1"/>
+                </a:solidFill>
+                <a:effectLst/>
+                <a:latin typeface="Calibri" panose="020F0502020204030204" pitchFamily="34" charset="0"/>
+                <a:cs typeface="Calibri" panose="020F0502020204030204" pitchFamily="34" charset="0"/>
+              </a:rPr>
+              <a:t>token</a:t>
+            </a:r>
+            <a:r>
+              <a:rPr lang="it-IT" b="0" i="0" dirty="0">
+                <a:solidFill>
+                  <a:schemeClr val="bg1"/>
+                </a:solidFill>
+                <a:effectLst/>
+                <a:latin typeface="Calibri" panose="020F0502020204030204" pitchFamily="34" charset="0"/>
+                <a:cs typeface="Calibri" panose="020F0502020204030204" pitchFamily="34" charset="0"/>
+              </a:rPr>
+              <a:t> (in questo caso le parole)</a:t>
+            </a:r>
+          </a:p>
+          <a:p>
+            <a:pPr>
+              <a:lnSpc>
+                <a:spcPct val="120000"/>
+              </a:lnSpc>
+              <a:buFont typeface="Arial" panose="020B0604020202020204" pitchFamily="34" charset="0"/>
+              <a:buChar char="•"/>
+            </a:pPr>
+            <a:r>
+              <a:rPr lang="it-IT" b="1" dirty="0">
+                <a:solidFill>
+                  <a:schemeClr val="bg1"/>
+                </a:solidFill>
+                <a:latin typeface="Calibri" panose="020F0502020204030204" pitchFamily="34" charset="0"/>
+                <a:cs typeface="Calibri" panose="020F0502020204030204" pitchFamily="34" charset="0"/>
+              </a:rPr>
+              <a:t>analisi grammaticale</a:t>
+            </a:r>
+            <a:r>
+              <a:rPr lang="it-IT" b="0" i="0" dirty="0">
+                <a:solidFill>
+                  <a:schemeClr val="bg1"/>
+                </a:solidFill>
+                <a:effectLst/>
+                <a:latin typeface="Calibri" panose="020F0502020204030204" pitchFamily="34" charset="0"/>
+                <a:cs typeface="Calibri" panose="020F0502020204030204" pitchFamily="34" charset="0"/>
+              </a:rPr>
+              <a:t>: associazione delle </a:t>
+            </a:r>
+            <a:r>
+              <a:rPr lang="it-IT" dirty="0">
+                <a:solidFill>
+                  <a:schemeClr val="bg1"/>
+                </a:solidFill>
+                <a:latin typeface="Calibri" panose="020F0502020204030204" pitchFamily="34" charset="0"/>
+                <a:cs typeface="Calibri" panose="020F0502020204030204" pitchFamily="34" charset="0"/>
+              </a:rPr>
+              <a:t>parti del discorso</a:t>
+            </a:r>
+            <a:r>
+              <a:rPr lang="it-IT" b="0" i="0" dirty="0">
+                <a:solidFill>
+                  <a:schemeClr val="bg1"/>
+                </a:solidFill>
+                <a:effectLst/>
+                <a:latin typeface="Calibri" panose="020F0502020204030204" pitchFamily="34" charset="0"/>
+                <a:cs typeface="Calibri" panose="020F0502020204030204" pitchFamily="34" charset="0"/>
+              </a:rPr>
+              <a:t> a ciascuna parola nel testo</a:t>
+            </a:r>
+          </a:p>
+          <a:p>
+            <a:pPr>
+              <a:lnSpc>
+                <a:spcPct val="120000"/>
+              </a:lnSpc>
+              <a:buFont typeface="Arial" panose="020B0604020202020204" pitchFamily="34" charset="0"/>
+              <a:buChar char="•"/>
+            </a:pPr>
+            <a:r>
+              <a:rPr lang="it-IT" b="1" dirty="0">
+                <a:solidFill>
+                  <a:schemeClr val="bg1"/>
+                </a:solidFill>
+                <a:latin typeface="Calibri" panose="020F0502020204030204" pitchFamily="34" charset="0"/>
+                <a:cs typeface="Calibri" panose="020F0502020204030204" pitchFamily="34" charset="0"/>
+              </a:rPr>
+              <a:t>analisi sintattica</a:t>
+            </a:r>
+            <a:r>
+              <a:rPr lang="it-IT" b="0" i="0" dirty="0">
+                <a:solidFill>
+                  <a:schemeClr val="bg1"/>
+                </a:solidFill>
+                <a:effectLst/>
+                <a:latin typeface="Calibri" panose="020F0502020204030204" pitchFamily="34" charset="0"/>
+                <a:cs typeface="Calibri" panose="020F0502020204030204" pitchFamily="34" charset="0"/>
+              </a:rPr>
+              <a:t>: arrangiamento dei </a:t>
+            </a:r>
+            <a:r>
+              <a:rPr lang="it-IT" b="0" i="1" dirty="0">
+                <a:solidFill>
+                  <a:schemeClr val="bg1"/>
+                </a:solidFill>
+                <a:effectLst/>
+                <a:latin typeface="Calibri" panose="020F0502020204030204" pitchFamily="34" charset="0"/>
+                <a:cs typeface="Calibri" panose="020F0502020204030204" pitchFamily="34" charset="0"/>
+              </a:rPr>
+              <a:t>token</a:t>
+            </a:r>
+            <a:r>
+              <a:rPr lang="it-IT" b="0" i="0" dirty="0">
+                <a:solidFill>
+                  <a:schemeClr val="bg1"/>
+                </a:solidFill>
+                <a:effectLst/>
+                <a:latin typeface="Calibri" panose="020F0502020204030204" pitchFamily="34" charset="0"/>
+                <a:cs typeface="Calibri" panose="020F0502020204030204" pitchFamily="34" charset="0"/>
+              </a:rPr>
+              <a:t> in una struttura sintattica (ad albero: </a:t>
+            </a:r>
+            <a:r>
+              <a:rPr lang="it-IT" b="0" i="1" dirty="0">
+                <a:solidFill>
+                  <a:schemeClr val="bg1"/>
+                </a:solidFill>
+                <a:effectLst/>
+                <a:latin typeface="Calibri" panose="020F0502020204030204" pitchFamily="34" charset="0"/>
+                <a:cs typeface="Calibri" panose="020F0502020204030204" pitchFamily="34" charset="0"/>
+              </a:rPr>
+              <a:t>parse </a:t>
+            </a:r>
+            <a:r>
+              <a:rPr lang="it-IT" b="0" i="1" dirty="0" err="1">
+                <a:solidFill>
+                  <a:schemeClr val="bg1"/>
+                </a:solidFill>
+                <a:effectLst/>
+                <a:latin typeface="Calibri" panose="020F0502020204030204" pitchFamily="34" charset="0"/>
+                <a:cs typeface="Calibri" panose="020F0502020204030204" pitchFamily="34" charset="0"/>
+              </a:rPr>
+              <a:t>tree</a:t>
+            </a:r>
+            <a:r>
+              <a:rPr lang="it-IT" b="0" i="0" dirty="0">
+                <a:solidFill>
+                  <a:schemeClr val="bg1"/>
+                </a:solidFill>
+                <a:effectLst/>
+                <a:latin typeface="Calibri" panose="020F0502020204030204" pitchFamily="34" charset="0"/>
+                <a:cs typeface="Calibri" panose="020F0502020204030204" pitchFamily="34" charset="0"/>
+              </a:rPr>
+              <a:t>)</a:t>
+            </a:r>
+          </a:p>
+          <a:p>
+            <a:pPr>
+              <a:lnSpc>
+                <a:spcPct val="120000"/>
+              </a:lnSpc>
+              <a:buFont typeface="Arial" panose="020B0604020202020204" pitchFamily="34" charset="0"/>
+              <a:buChar char="•"/>
+            </a:pPr>
+            <a:r>
+              <a:rPr lang="it-IT" b="1" dirty="0">
+                <a:solidFill>
+                  <a:schemeClr val="bg1"/>
+                </a:solidFill>
+                <a:latin typeface="Calibri" panose="020F0502020204030204" pitchFamily="34" charset="0"/>
+                <a:cs typeface="Calibri" panose="020F0502020204030204" pitchFamily="34" charset="0"/>
+              </a:rPr>
+              <a:t>analisi semantica</a:t>
+            </a:r>
+            <a:r>
+              <a:rPr lang="it-IT" b="0" i="0" dirty="0">
+                <a:solidFill>
+                  <a:schemeClr val="bg1"/>
+                </a:solidFill>
+                <a:effectLst/>
+                <a:latin typeface="Calibri" panose="020F0502020204030204" pitchFamily="34" charset="0"/>
+                <a:cs typeface="Calibri" panose="020F0502020204030204" pitchFamily="34" charset="0"/>
+              </a:rPr>
+              <a:t>: assegnazione di un significato (</a:t>
+            </a:r>
+            <a:r>
+              <a:rPr lang="it-IT" dirty="0">
+                <a:solidFill>
+                  <a:schemeClr val="bg1"/>
+                </a:solidFill>
+                <a:latin typeface="Calibri" panose="020F0502020204030204" pitchFamily="34" charset="0"/>
+                <a:cs typeface="Calibri" panose="020F0502020204030204" pitchFamily="34" charset="0"/>
+              </a:rPr>
+              <a:t>semantica</a:t>
+            </a:r>
+            <a:r>
+              <a:rPr lang="it-IT" b="0" i="0" dirty="0">
+                <a:solidFill>
+                  <a:schemeClr val="bg1"/>
+                </a:solidFill>
+                <a:effectLst/>
+                <a:latin typeface="Calibri" panose="020F0502020204030204" pitchFamily="34" charset="0"/>
+                <a:cs typeface="Calibri" panose="020F0502020204030204" pitchFamily="34" charset="0"/>
+              </a:rPr>
+              <a:t>) alla struttura sintattica e, di conseguenza, all'espressione linguistica</a:t>
+            </a:r>
+          </a:p>
+          <a:p>
+            <a:pPr>
+              <a:lnSpc>
+                <a:spcPct val="120000"/>
+              </a:lnSpc>
+            </a:pPr>
+            <a:endParaRPr lang="it-IT" sz="1400" dirty="0"/>
+          </a:p>
+        </p:txBody>
+      </p:sp>
+      <p:pic>
+        <p:nvPicPr>
+          <p:cNvPr id="1026" name="Picture 2" descr="Immagine che contiene testo, elettronico&#10;&#10;Descrizione generata automaticamente">
+            <a:extLst>
+              <a:ext uri="{FF2B5EF4-FFF2-40B4-BE49-F238E27FC236}">
+                <a16:creationId xmlns:a16="http://schemas.microsoft.com/office/drawing/2014/main" id="{F47D5D92-E4CF-4ACD-BE39-517960B02DA1}"/>
+              </a:ext>
+            </a:extLst>
+          </p:cNvPr>
+          <p:cNvPicPr>
+            <a:picLocks noChangeAspect="1" noChangeArrowheads="1"/>
+          </p:cNvPicPr>
+          <p:nvPr/>
+        </p:nvPicPr>
+        <p:blipFill>
+          <a:blip r:embed="rId2">
+            <a:extLst>
+              <a:ext uri="{28A0092B-C50C-407E-A947-70E740481C1C}">
+                <a14:useLocalDpi xmlns:a14="http://schemas.microsoft.com/office/drawing/2010/main" val="0"/>
+              </a:ext>
+            </a:extLst>
+          </a:blip>
+          <a:stretch>
+            <a:fillRect/>
+          </a:stretch>
+        </p:blipFill>
+        <p:spPr bwMode="auto">
+          <a:xfrm>
+            <a:off x="6858001" y="1643590"/>
+            <a:ext cx="4577976" cy="3570820"/>
+          </a:xfrm>
+          <a:prstGeom prst="rect">
+            <a:avLst/>
+          </a:prstGeom>
+          <a:noFill/>
+          <a:extLst>
+            <a:ext uri="{909E8E84-426E-40DD-AFC4-6F175D3DCCD1}">
+              <a14:hiddenFill xmlns:a14="http://schemas.microsoft.com/office/drawing/2010/main">
+                <a:solidFill>
+                  <a:srgbClr val="FFFFFF"/>
+                </a:solidFill>
+              </a14:hiddenFill>
+            </a:ext>
+          </a:extLst>
+        </p:spPr>
+      </p:pic>
+    </p:spTree>
+    <p:extLst>
+      <p:ext uri="{BB962C8B-B14F-4D97-AF65-F5344CB8AC3E}">
+        <p14:creationId xmlns:p14="http://schemas.microsoft.com/office/powerpoint/2010/main" val="3707139358"/>
+      </p:ext>
+    </p:extLst>
+  </p:cSld>
+  <p:clrMapOvr>
+    <a:overrideClrMapping bg1="lt1" tx1="dk1" bg2="lt2" tx2="dk2" accent1="accent1" accent2="accent2" accent3="accent3" accent4="accent4" accent5="accent5" accent6="accent6" hlink="hlink" folHlink="folHlink"/>
+  </p:clrMapOvr>
+</p:sld>
+</file>
+
+<file path=ppt/slides/slide5.xml><?xml version="1.0" encoding="utf-8"?>
+<p:sld xmlns:a="http://schemas.openxmlformats.org/drawingml/2006/main" xmlns:r="http://schemas.openxmlformats.org/officeDocument/2006/relationships" xmlns:p="http://schemas.openxmlformats.org/presentationml/2006/main">
+  <p:cSld>
+    <p:bg>
+      <p:bgPr>
+        <a:solidFill>
+          <a:schemeClr val="bg1"/>
+        </a:solidFill>
+        <a:effectLst/>
+      </p:bgPr>
+    </p:bg>
+    <p:spTree>
+      <p:nvGrpSpPr>
+        <p:cNvPr id="1" name=""/>
+        <p:cNvGrpSpPr/>
+        <p:nvPr/>
+      </p:nvGrpSpPr>
+      <p:grpSpPr>
+        <a:xfrm>
+          <a:off x="0" y="0"/>
+          <a:ext cx="0" cy="0"/>
+          <a:chOff x="0" y="0"/>
+          <a:chExt cx="0" cy="0"/>
+        </a:xfrm>
+      </p:grpSpPr>
+      <p:sp useBgFill="1">
+        <p:nvSpPr>
+          <p:cNvPr id="71" name="Rectangle 70">
+            <a:extLst>
+              <a:ext uri="{FF2B5EF4-FFF2-40B4-BE49-F238E27FC236}">
+                <a16:creationId xmlns:a16="http://schemas.microsoft.com/office/drawing/2014/main" id="{E7218290-08E7-4AB8-8549-F625B01F0DCB}"/>
+              </a:ext>
+              <a:ext uri="{C183D7F6-B498-43B3-948B-1728B52AA6E4}">
+                <adec:decorative xmlns:adec="http://schemas.microsoft.com/office/drawing/2017/decorative" val="1"/>
+              </a:ext>
+            </a:extLst>
+          </p:cNvPr>
+          <p:cNvSpPr>
+            <a:spLocks noGrp="1" noRot="1" noChangeAspect="1" noMove="1" noResize="1" noEditPoints="1" noAdjustHandles="1" noChangeArrowheads="1" noChangeShapeType="1" noTextEdit="1"/>
+          </p:cNvSpPr>
+          <p:nvPr>
+            <p:extLst>
+              <p:ext uri="{386F3935-93C4-4BCD-93E2-E3B085C9AB24}">
+                <p16:designElem xmlns:p16="http://schemas.microsoft.com/office/powerpoint/2015/main" val="1"/>
+              </p:ext>
+            </p:extLst>
+          </p:nvPr>
+        </p:nvSpPr>
+        <p:spPr>
+          <a:xfrm>
+            <a:off x="0" y="0"/>
+            <a:ext cx="12192000" cy="6858000"/>
+          </a:xfrm>
+          <a:prstGeom prst="rect">
+            <a:avLst/>
+          </a:prstGeom>
+          <a:ln w="12700" cap="flat" cmpd="sng" algn="ctr">
+            <a:noFill/>
+            <a:prstDash val="solid"/>
+            <a:miter lim="800000"/>
+          </a:ln>
+          <a:effectLst/>
+          <a:extLst>
+            <a:ext uri="{91240B29-F687-4F45-9708-019B960494DF}">
+              <a14:hiddenLine xmlns:a14="http://schemas.microsoft.com/office/drawing/2010/main" w="12700" cap="flat" cmpd="sng" algn="ctr">
+                <a:solidFill>
+                  <a:schemeClr val="accent1">
+                    <a:shade val="50000"/>
+                  </a:schemeClr>
+                </a:solidFill>
+                <a:prstDash val="solid"/>
+                <a:miter lim="800000"/>
+              </a14:hiddenLine>
+            </a:ext>
+          </a:extLst>
+        </p:spPr>
+        <p:style>
+          <a:lnRef idx="2">
+            <a:schemeClr val="accent1">
+              <a:shade val="50000"/>
+            </a:schemeClr>
+          </a:lnRef>
+          <a:fillRef idx="1">
+            <a:schemeClr val="accent1"/>
+          </a:fillRef>
+          <a:effectRef idx="0">
+            <a:schemeClr val="accent1"/>
+          </a:effectRef>
+          <a:fontRef idx="minor">
+            <a:schemeClr val="lt1"/>
+          </a:fontRef>
+        </p:style>
+        <p:txBody>
+          <a:bodyPr rtlCol="0" anchor="ctr"/>
+          <a:lstStyle/>
+          <a:p>
+            <a:pPr algn="ctr"/>
+            <a:endParaRPr lang="en-US"/>
+          </a:p>
+        </p:txBody>
+      </p:sp>
+      <p:sp>
+        <p:nvSpPr>
+          <p:cNvPr id="2" name="Titolo 1">
+            <a:extLst>
+              <a:ext uri="{FF2B5EF4-FFF2-40B4-BE49-F238E27FC236}">
+                <a16:creationId xmlns:a16="http://schemas.microsoft.com/office/drawing/2014/main" id="{6E82D84F-7EF7-4B95-94B7-0E8FEE7B26A4}"/>
+              </a:ext>
+            </a:extLst>
+          </p:cNvPr>
+          <p:cNvSpPr>
+            <a:spLocks noGrp="1"/>
+          </p:cNvSpPr>
+          <p:nvPr>
+            <p:ph type="title"/>
+          </p:nvPr>
+        </p:nvSpPr>
+        <p:spPr>
+          <a:xfrm>
+            <a:off x="400047" y="128093"/>
+            <a:ext cx="5333365" cy="1141004"/>
+          </a:xfrm>
+        </p:spPr>
+        <p:txBody>
+          <a:bodyPr>
+            <a:normAutofit/>
+          </a:bodyPr>
+          <a:lstStyle/>
+          <a:p>
+            <a:r>
+              <a:rPr lang="it-IT" dirty="0" err="1"/>
+              <a:t>bert</a:t>
+            </a:r>
+            <a:endParaRPr lang="it-IT" dirty="0"/>
+          </a:p>
+        </p:txBody>
+      </p:sp>
+      <p:sp>
+        <p:nvSpPr>
+          <p:cNvPr id="3" name="Segnaposto contenuto 2">
+            <a:extLst>
+              <a:ext uri="{FF2B5EF4-FFF2-40B4-BE49-F238E27FC236}">
+                <a16:creationId xmlns:a16="http://schemas.microsoft.com/office/drawing/2014/main" id="{1CBD467A-2A1E-439E-A44A-E1029D422CBD}"/>
+              </a:ext>
+            </a:extLst>
+          </p:cNvPr>
+          <p:cNvSpPr>
+            <a:spLocks noGrp="1"/>
+          </p:cNvSpPr>
+          <p:nvPr>
+            <p:ph idx="1"/>
+          </p:nvPr>
+        </p:nvSpPr>
+        <p:spPr>
+          <a:xfrm>
+            <a:off x="400047" y="1510848"/>
+            <a:ext cx="6038853" cy="5070927"/>
+          </a:xfrm>
+        </p:spPr>
+        <p:txBody>
+          <a:bodyPr>
+            <a:normAutofit/>
+          </a:bodyPr>
+          <a:lstStyle/>
+          <a:p>
+            <a:pPr marL="0" indent="0">
+              <a:buNone/>
+            </a:pPr>
+            <a:r>
+              <a:rPr lang="it-IT" b="1" i="0" dirty="0">
+                <a:effectLst/>
+                <a:latin typeface="Open Sans" panose="020B0604020202020204" pitchFamily="34" charset="0"/>
+              </a:rPr>
+              <a:t>Bert</a:t>
+            </a:r>
+            <a:r>
+              <a:rPr lang="it-IT" b="0" i="0" dirty="0">
+                <a:effectLst/>
+                <a:latin typeface="Open Sans" panose="020B0604020202020204" pitchFamily="34" charset="0"/>
+              </a:rPr>
+              <a:t> (</a:t>
+            </a:r>
+            <a:r>
+              <a:rPr lang="it-IT" b="1" i="0" dirty="0" err="1">
+                <a:effectLst/>
+                <a:latin typeface="Open Sans" panose="020B0604020202020204" pitchFamily="34" charset="0"/>
+              </a:rPr>
+              <a:t>Bidirectional</a:t>
+            </a:r>
+            <a:r>
+              <a:rPr lang="it-IT" b="1" i="0" dirty="0">
+                <a:effectLst/>
+                <a:latin typeface="Open Sans" panose="020B0604020202020204" pitchFamily="34" charset="0"/>
+              </a:rPr>
+              <a:t> Encoder </a:t>
+            </a:r>
+            <a:r>
+              <a:rPr lang="it-IT" b="1" i="0" dirty="0" err="1">
+                <a:effectLst/>
+                <a:latin typeface="Open Sans" panose="020B0604020202020204" pitchFamily="34" charset="0"/>
+              </a:rPr>
+              <a:t>Representations</a:t>
+            </a:r>
+            <a:r>
+              <a:rPr lang="it-IT" b="1" i="0" dirty="0">
+                <a:effectLst/>
+                <a:latin typeface="Open Sans" panose="020B0604020202020204" pitchFamily="34" charset="0"/>
+              </a:rPr>
+              <a:t> from Transformers</a:t>
+            </a:r>
+            <a:r>
+              <a:rPr lang="it-IT" b="0" i="0" dirty="0">
+                <a:effectLst/>
+                <a:latin typeface="Open Sans" panose="020B0604020202020204" pitchFamily="34" charset="0"/>
+              </a:rPr>
+              <a:t>) è un modello di elaborazione del linguaggio naturale sviluppato da Google. </a:t>
+            </a:r>
+            <a:r>
+              <a:rPr lang="it-IT" dirty="0">
+                <a:latin typeface="Open Sans" panose="020B0604020202020204" pitchFamily="34" charset="0"/>
+              </a:rPr>
+              <a:t>Di seguito le principali funzionalità:</a:t>
+            </a:r>
+          </a:p>
+          <a:p>
+            <a:r>
+              <a:rPr lang="it-IT" b="0" i="0" dirty="0">
+                <a:effectLst/>
+                <a:latin typeface="Open Sans" panose="020B0604020202020204" pitchFamily="34" charset="0"/>
+              </a:rPr>
+              <a:t>Classificazione delle frasi</a:t>
+            </a:r>
+          </a:p>
+          <a:p>
+            <a:r>
+              <a:rPr lang="it-IT" dirty="0">
+                <a:latin typeface="Open Sans" panose="020B0604020202020204" pitchFamily="34" charset="0"/>
+              </a:rPr>
+              <a:t>Riconoscimento emozioni</a:t>
+            </a:r>
+          </a:p>
+          <a:p>
+            <a:r>
+              <a:rPr lang="it-IT" b="0" i="0" dirty="0">
+                <a:effectLst/>
+                <a:latin typeface="Open Sans" panose="020B0604020202020204" pitchFamily="34" charset="0"/>
+              </a:rPr>
+              <a:t>Ricerca (query) più </a:t>
+            </a:r>
+            <a:r>
+              <a:rPr lang="it-IT" dirty="0">
+                <a:latin typeface="Open Sans" panose="020B0604020202020204" pitchFamily="34" charset="0"/>
+              </a:rPr>
+              <a:t>veloce</a:t>
+            </a:r>
+          </a:p>
+          <a:p>
+            <a:r>
+              <a:rPr lang="it-IT" b="0" i="0" dirty="0">
+                <a:effectLst/>
+                <a:latin typeface="Open Sans" panose="020B0604020202020204" pitchFamily="34" charset="0"/>
+              </a:rPr>
+              <a:t>Traduzione frasi</a:t>
+            </a:r>
+          </a:p>
+        </p:txBody>
+      </p:sp>
+      <p:sp>
+        <p:nvSpPr>
+          <p:cNvPr id="73" name="Oval 72">
+            <a:extLst>
+              <a:ext uri="{FF2B5EF4-FFF2-40B4-BE49-F238E27FC236}">
+                <a16:creationId xmlns:a16="http://schemas.microsoft.com/office/drawing/2014/main" id="{CE9A9457-874F-4EEB-BF07-9CEA561C1196}"/>
+              </a:ext>
+              <a:ext uri="{C183D7F6-B498-43B3-948B-1728B52AA6E4}">
+                <adec:decorative xmlns:adec="http://schemas.microsoft.com/office/drawing/2017/decorative" val="1"/>
+              </a:ext>
+            </a:extLst>
+          </p:cNvPr>
+          <p:cNvSpPr>
+            <a:spLocks noGrp="1" noRot="1" noChangeAspect="1" noMove="1" noResize="1" noEditPoints="1" noAdjustHandles="1" noChangeArrowheads="1" noChangeShapeType="1" noTextEdit="1"/>
+          </p:cNvSpPr>
+          <p:nvPr>
+            <p:extLst>
+              <p:ext uri="{386F3935-93C4-4BCD-93E2-E3B085C9AB24}">
+                <p16:designElem xmlns:p16="http://schemas.microsoft.com/office/powerpoint/2015/main" val="1"/>
+              </p:ext>
+            </p:extLst>
+          </p:nvPr>
+        </p:nvSpPr>
+        <p:spPr>
+          <a:xfrm>
+            <a:off x="6639965" y="1114197"/>
+            <a:ext cx="4629606" cy="4629606"/>
+          </a:xfrm>
+          <a:prstGeom prst="ellipse">
+            <a:avLst/>
+          </a:prstGeom>
+          <a:solidFill>
+            <a:schemeClr val="tx1"/>
+          </a:solidFill>
+          <a:ln>
+            <a:noFill/>
+          </a:ln>
+        </p:spPr>
+        <p:style>
+          <a:lnRef idx="2">
+            <a:schemeClr val="accent1">
+              <a:shade val="50000"/>
+            </a:schemeClr>
+          </a:lnRef>
+          <a:fillRef idx="1">
+            <a:schemeClr val="accent1"/>
+          </a:fillRef>
+          <a:effectRef idx="0">
+            <a:schemeClr val="accent1"/>
+          </a:effectRef>
+          <a:fontRef idx="minor">
+            <a:schemeClr val="lt1"/>
+          </a:fontRef>
+        </p:style>
+        <p:txBody>
+          <a:bodyPr rtlCol="0" anchor="ctr"/>
+          <a:lstStyle/>
+          <a:p>
+            <a:pPr algn="ctr"/>
+            <a:endParaRPr lang="en-US"/>
+          </a:p>
+        </p:txBody>
+      </p:sp>
+      <p:pic>
+        <p:nvPicPr>
+          <p:cNvPr id="2050" name="Picture 2">
+            <a:extLst>
+              <a:ext uri="{FF2B5EF4-FFF2-40B4-BE49-F238E27FC236}">
+                <a16:creationId xmlns:a16="http://schemas.microsoft.com/office/drawing/2014/main" id="{FF35E74F-4ABC-42C7-A842-83AC146CEFD4}"/>
+              </a:ext>
+            </a:extLst>
+          </p:cNvPr>
+          <p:cNvPicPr>
+            <a:picLocks noChangeAspect="1" noChangeArrowheads="1"/>
+          </p:cNvPicPr>
+          <p:nvPr/>
+        </p:nvPicPr>
+        <p:blipFill>
+          <a:blip r:embed="rId2">
+            <a:extLst>
+              <a:ext uri="{28A0092B-C50C-407E-A947-70E740481C1C}">
+                <a14:useLocalDpi xmlns:a14="http://schemas.microsoft.com/office/drawing/2010/main" val="0"/>
+              </a:ext>
+            </a:extLst>
+          </a:blip>
+          <a:stretch>
+            <a:fillRect/>
+          </a:stretch>
+        </p:blipFill>
+        <p:spPr bwMode="auto">
+          <a:xfrm>
+            <a:off x="7341630" y="2524069"/>
+            <a:ext cx="3226275" cy="1809861"/>
+          </a:xfrm>
+          <a:prstGeom prst="rect">
+            <a:avLst/>
+          </a:prstGeom>
+          <a:noFill/>
+          <a:extLst>
+            <a:ext uri="{909E8E84-426E-40DD-AFC4-6F175D3DCCD1}">
+              <a14:hiddenFill xmlns:a14="http://schemas.microsoft.com/office/drawing/2010/main">
+                <a:solidFill>
+                  <a:srgbClr val="FFFFFF"/>
+                </a:solidFill>
+              </a14:hiddenFill>
+            </a:ext>
+          </a:extLst>
+        </p:spPr>
+      </p:pic>
+    </p:spTree>
+    <p:extLst>
+      <p:ext uri="{BB962C8B-B14F-4D97-AF65-F5344CB8AC3E}">
+        <p14:creationId xmlns:p14="http://schemas.microsoft.com/office/powerpoint/2010/main" val="2025474819"/>
+      </p:ext>
+    </p:extLst>
+  </p:cSld>
+  <p:clrMapOvr>
+    <a:masterClrMapping/>
+  </p:clrMapOvr>
+</p:sld>
+</file>
+
+<file path=ppt/slides/slide6.xml><?xml version="1.0" encoding="utf-8"?>
 <p:sld xmlns:a="http://schemas.openxmlformats.org/drawingml/2006/main" xmlns:r="http://schemas.openxmlformats.org/officeDocument/2006/relationships" xmlns:p="http://schemas.openxmlformats.org/presentationml/2006/main">
   <p:cSld>
     <p:spTree>
@@ -4977,10 +7165,146 @@
       </p:grpSpPr>
       <p:sp>
         <p:nvSpPr>
-          <p:cNvPr id="2" name="Titolo 1">
-            <a:extLst>
-              <a:ext uri="{FF2B5EF4-FFF2-40B4-BE49-F238E27FC236}">
-                <a16:creationId xmlns:a16="http://schemas.microsoft.com/office/drawing/2014/main" id="{28EEE2D4-7951-4283-ABCA-FFAAB5C81190}"/>
+          <p:cNvPr id="3" name="Segnaposto contenuto 2">
+            <a:extLst>
+              <a:ext uri="{FF2B5EF4-FFF2-40B4-BE49-F238E27FC236}">
+                <a16:creationId xmlns:a16="http://schemas.microsoft.com/office/drawing/2014/main" id="{57398719-7315-4BAF-9153-834F2B107D36}"/>
+              </a:ext>
+            </a:extLst>
+          </p:cNvPr>
+          <p:cNvSpPr>
+            <a:spLocks noGrp="1"/>
+          </p:cNvSpPr>
+          <p:nvPr>
+            <p:ph idx="1"/>
+          </p:nvPr>
+        </p:nvSpPr>
+        <p:spPr>
+          <a:xfrm>
+            <a:off x="400051" y="1391962"/>
+            <a:ext cx="6515100" cy="3592806"/>
+          </a:xfrm>
+        </p:spPr>
+        <p:txBody>
+          <a:bodyPr>
+            <a:normAutofit/>
+          </a:bodyPr>
+          <a:lstStyle/>
+          <a:p>
+            <a:pPr marL="0" indent="0">
+              <a:buNone/>
+            </a:pPr>
+            <a:r>
+              <a:rPr lang="it-IT" dirty="0">
+                <a:latin typeface="Calibri" panose="020F0502020204030204" pitchFamily="34" charset="0"/>
+                <a:cs typeface="Calibri" panose="020F0502020204030204" pitchFamily="34" charset="0"/>
+              </a:rPr>
+              <a:t>Bert è un modello di trasformatori </a:t>
+            </a:r>
+            <a:r>
+              <a:rPr lang="it-IT" dirty="0" err="1">
+                <a:latin typeface="Calibri" panose="020F0502020204030204" pitchFamily="34" charset="0"/>
+                <a:cs typeface="Calibri" panose="020F0502020204030204" pitchFamily="34" charset="0"/>
+              </a:rPr>
+              <a:t>preaddestrato</a:t>
+            </a:r>
+            <a:r>
+              <a:rPr lang="it-IT" dirty="0">
+                <a:latin typeface="Calibri" panose="020F0502020204030204" pitchFamily="34" charset="0"/>
+                <a:cs typeface="Calibri" panose="020F0502020204030204" pitchFamily="34" charset="0"/>
+              </a:rPr>
+              <a:t> su testi grezzi con due obbiettivi :</a:t>
+            </a:r>
+          </a:p>
+          <a:p>
+            <a:r>
+              <a:rPr lang="it-IT" dirty="0" err="1">
+                <a:latin typeface="Calibri" panose="020F0502020204030204" pitchFamily="34" charset="0"/>
+                <a:cs typeface="Calibri" panose="020F0502020204030204" pitchFamily="34" charset="0"/>
+              </a:rPr>
+              <a:t>Masked</a:t>
+            </a:r>
+            <a:r>
+              <a:rPr lang="it-IT" dirty="0">
+                <a:latin typeface="Calibri" panose="020F0502020204030204" pitchFamily="34" charset="0"/>
+                <a:cs typeface="Calibri" panose="020F0502020204030204" pitchFamily="34" charset="0"/>
+              </a:rPr>
+              <a:t> </a:t>
+            </a:r>
+            <a:r>
+              <a:rPr lang="it-IT" dirty="0" err="1">
+                <a:latin typeface="Calibri" panose="020F0502020204030204" pitchFamily="34" charset="0"/>
+                <a:cs typeface="Calibri" panose="020F0502020204030204" pitchFamily="34" charset="0"/>
+              </a:rPr>
+              <a:t>language</a:t>
+            </a:r>
+            <a:r>
+              <a:rPr lang="it-IT" dirty="0">
+                <a:latin typeface="Calibri" panose="020F0502020204030204" pitchFamily="34" charset="0"/>
+                <a:cs typeface="Calibri" panose="020F0502020204030204" pitchFamily="34" charset="0"/>
+              </a:rPr>
+              <a:t> </a:t>
+            </a:r>
+            <a:r>
+              <a:rPr lang="it-IT" dirty="0" err="1">
+                <a:latin typeface="Calibri" panose="020F0502020204030204" pitchFamily="34" charset="0"/>
+                <a:cs typeface="Calibri" panose="020F0502020204030204" pitchFamily="34" charset="0"/>
+              </a:rPr>
+              <a:t>modeling</a:t>
+            </a:r>
+            <a:r>
+              <a:rPr lang="it-IT" dirty="0">
+                <a:latin typeface="Calibri" panose="020F0502020204030204" pitchFamily="34" charset="0"/>
+                <a:cs typeface="Calibri" panose="020F0502020204030204" pitchFamily="34" charset="0"/>
+              </a:rPr>
+              <a:t> (MLM):  prendendo una frase, il modello maschera casualmente il 15% delle parole nell'input, quindi esegue l'intera frase mascherata attraverso il modello e provando a prevedere le parole mascherate</a:t>
+            </a:r>
+          </a:p>
+          <a:p>
+            <a:r>
+              <a:rPr lang="it-IT" dirty="0">
+                <a:latin typeface="Calibri" panose="020F0502020204030204" pitchFamily="34" charset="0"/>
+                <a:cs typeface="Calibri" panose="020F0502020204030204" pitchFamily="34" charset="0"/>
+              </a:rPr>
+              <a:t>Next </a:t>
+            </a:r>
+            <a:r>
+              <a:rPr lang="it-IT" dirty="0" err="1">
+                <a:latin typeface="Calibri" panose="020F0502020204030204" pitchFamily="34" charset="0"/>
+                <a:cs typeface="Calibri" panose="020F0502020204030204" pitchFamily="34" charset="0"/>
+              </a:rPr>
+              <a:t>sentence</a:t>
+            </a:r>
+            <a:r>
+              <a:rPr lang="it-IT" dirty="0">
+                <a:latin typeface="Calibri" panose="020F0502020204030204" pitchFamily="34" charset="0"/>
+                <a:cs typeface="Calibri" panose="020F0502020204030204" pitchFamily="34" charset="0"/>
+              </a:rPr>
+              <a:t> </a:t>
+            </a:r>
+            <a:r>
+              <a:rPr lang="it-IT" dirty="0" err="1">
+                <a:latin typeface="Calibri" panose="020F0502020204030204" pitchFamily="34" charset="0"/>
+                <a:cs typeface="Calibri" panose="020F0502020204030204" pitchFamily="34" charset="0"/>
+              </a:rPr>
+              <a:t>prediction</a:t>
+            </a:r>
+            <a:r>
+              <a:rPr lang="it-IT" dirty="0">
+                <a:latin typeface="Calibri" panose="020F0502020204030204" pitchFamily="34" charset="0"/>
+                <a:cs typeface="Calibri" panose="020F0502020204030204" pitchFamily="34" charset="0"/>
+              </a:rPr>
+              <a:t> (NSP):  i modelli concatenano due frasi mascherate come input durante il preallenamento</a:t>
+            </a:r>
+          </a:p>
+        </p:txBody>
+      </p:sp>
+      <p:sp>
+        <p:nvSpPr>
+          <p:cNvPr id="4" name="Titolo 1">
+            <a:extLst>
+              <a:ext uri="{FF2B5EF4-FFF2-40B4-BE49-F238E27FC236}">
+                <a16:creationId xmlns:a16="http://schemas.microsoft.com/office/drawing/2014/main" id="{11DC0E33-AFEB-411D-ACF8-FEE24F792C13}"/>
               </a:ext>
             </a:extLst>
           </p:cNvPr>
@@ -4991,57 +7315,1392 @@
             <p:ph type="title"/>
           </p:nvPr>
         </p:nvSpPr>
-        <p:spPr/>
+        <p:spPr>
+          <a:xfrm>
+            <a:off x="493341" y="207361"/>
+            <a:ext cx="9238434" cy="857559"/>
+          </a:xfrm>
+        </p:spPr>
         <p:txBody>
           <a:bodyPr/>
           <a:lstStyle/>
           <a:p>
-            <a:endParaRPr lang="en-GB"/>
+            <a:r>
+              <a:rPr lang="it-IT" dirty="0"/>
+              <a:t>Bert -&gt; modello utilizzato</a:t>
+            </a:r>
           </a:p>
         </p:txBody>
       </p:sp>
       <p:pic>
         <p:nvPicPr>
-          <p:cNvPr id="4" name="Segnaposto contenuto 4" descr="Immagine che contiene aeroplano, esterni, terra, veivolo&#10;&#10;Descrizione generata automaticamente">
-            <a:extLst>
-              <a:ext uri="{FF2B5EF4-FFF2-40B4-BE49-F238E27FC236}">
-                <a16:creationId xmlns:a16="http://schemas.microsoft.com/office/drawing/2014/main" id="{7500D123-E6DC-4B4D-98C2-61F4C800D418}"/>
+          <p:cNvPr id="6" name="Immagine 5">
+            <a:extLst>
+              <a:ext uri="{FF2B5EF4-FFF2-40B4-BE49-F238E27FC236}">
+                <a16:creationId xmlns:a16="http://schemas.microsoft.com/office/drawing/2014/main" id="{F7B40560-4044-4ACD-A10F-60AD052987E8}"/>
               </a:ext>
             </a:extLst>
           </p:cNvPr>
           <p:cNvPicPr>
-            <a:picLocks noGrp="1" noChangeAspect="1"/>
+            <a:picLocks noChangeAspect="1"/>
           </p:cNvPicPr>
-          <p:nvPr>
-            <p:ph idx="1"/>
-          </p:nvPr>
+          <p:nvPr/>
         </p:nvPicPr>
         <p:blipFill>
-          <a:blip r:embed="rId2">
-            <a:extLst>
-              <a:ext uri="{28A0092B-C50C-407E-A947-70E740481C1C}">
-                <a14:useLocalDpi xmlns:a14="http://schemas.microsoft.com/office/drawing/2010/main" val="0"/>
-              </a:ext>
-              <a:ext uri="{837473B0-CC2E-450A-ABE3-18F120FF3D39}">
-                <a1611:picAttrSrcUrl xmlns:a1611="http://schemas.microsoft.com/office/drawing/2016/11/main" r:id="rId3"/>
-              </a:ext>
-            </a:extLst>
-          </a:blip>
+          <a:blip r:embed="rId2"/>
           <a:stretch>
             <a:fillRect/>
           </a:stretch>
         </p:blipFill>
         <p:spPr>
           <a:xfrm>
-            <a:off x="5134769" y="3680460"/>
-            <a:ext cx="1828800" cy="1021080"/>
+            <a:off x="7200900" y="1391962"/>
+            <a:ext cx="4733925" cy="2938722"/>
           </a:xfrm>
+          <a:prstGeom prst="rect">
+            <a:avLst/>
+          </a:prstGeom>
+        </p:spPr>
+      </p:pic>
+      <p:sp>
+        <p:nvSpPr>
+          <p:cNvPr id="9" name="Segnaposto contenuto 2">
+            <a:extLst>
+              <a:ext uri="{FF2B5EF4-FFF2-40B4-BE49-F238E27FC236}">
+                <a16:creationId xmlns:a16="http://schemas.microsoft.com/office/drawing/2014/main" id="{2DAC9AE7-C6FA-4D45-8C88-6E7C0EFD326A}"/>
+              </a:ext>
+            </a:extLst>
+          </p:cNvPr>
+          <p:cNvSpPr txBox="1">
+            <a:spLocks/>
+          </p:cNvSpPr>
+          <p:nvPr/>
+        </p:nvSpPr>
+        <p:spPr>
+          <a:xfrm>
+            <a:off x="493341" y="4657726"/>
+            <a:ext cx="11441484" cy="1918916"/>
+          </a:xfrm>
+          <a:prstGeom prst="rect">
+            <a:avLst/>
+          </a:prstGeom>
+        </p:spPr>
+        <p:txBody>
+          <a:bodyPr vert="horz" lIns="91440" tIns="45720" rIns="91440" bIns="45720" rtlCol="0">
+            <a:normAutofit/>
+          </a:bodyPr>
+          <a:lstStyle>
+            <a:lvl1pPr marL="274320" indent="-274320" algn="l" defTabSz="914400" rtl="0" eaLnBrk="1" latinLnBrk="0" hangingPunct="1">
+              <a:lnSpc>
+                <a:spcPct val="130000"/>
+              </a:lnSpc>
+              <a:spcBef>
+                <a:spcPts val="1000"/>
+              </a:spcBef>
+              <a:buSzPct val="85000"/>
+              <a:buFont typeface="Arial" panose="020B0604020202020204" pitchFamily="34" charset="0"/>
+              <a:buChar char="•"/>
+              <a:defRPr sz="1800" kern="1200">
+                <a:solidFill>
+                  <a:schemeClr val="tx1"/>
+                </a:solidFill>
+                <a:latin typeface="+mn-lt"/>
+                <a:ea typeface="+mn-ea"/>
+                <a:cs typeface="+mn-cs"/>
+              </a:defRPr>
+            </a:lvl1pPr>
+            <a:lvl2pPr marL="274320" indent="0" algn="l" defTabSz="914400" rtl="0" eaLnBrk="1" latinLnBrk="0" hangingPunct="1">
+              <a:lnSpc>
+                <a:spcPct val="130000"/>
+              </a:lnSpc>
+              <a:spcBef>
+                <a:spcPts val="500"/>
+              </a:spcBef>
+              <a:buSzPct val="85000"/>
+              <a:buFontTx/>
+              <a:buNone/>
+              <a:defRPr sz="1600" b="1" kern="1200">
+                <a:solidFill>
+                  <a:schemeClr val="tx1"/>
+                </a:solidFill>
+                <a:latin typeface="+mn-lt"/>
+                <a:ea typeface="+mn-ea"/>
+                <a:cs typeface="+mn-cs"/>
+              </a:defRPr>
+            </a:lvl2pPr>
+            <a:lvl3pPr marL="457200" indent="-182880" algn="l" defTabSz="914400" rtl="0" eaLnBrk="1" latinLnBrk="0" hangingPunct="1">
+              <a:lnSpc>
+                <a:spcPct val="130000"/>
+              </a:lnSpc>
+              <a:spcBef>
+                <a:spcPts val="500"/>
+              </a:spcBef>
+              <a:buSzPct val="85000"/>
+              <a:buFont typeface="Arial" panose="020B0604020202020204" pitchFamily="34" charset="0"/>
+              <a:buChar char="•"/>
+              <a:defRPr sz="1400" kern="1200">
+                <a:solidFill>
+                  <a:schemeClr val="tx1"/>
+                </a:solidFill>
+                <a:latin typeface="+mn-lt"/>
+                <a:ea typeface="+mn-ea"/>
+                <a:cs typeface="+mn-cs"/>
+              </a:defRPr>
+            </a:lvl3pPr>
+            <a:lvl4pPr marL="466344" indent="0" algn="l" defTabSz="914400" rtl="0" eaLnBrk="1" latinLnBrk="0" hangingPunct="1">
+              <a:lnSpc>
+                <a:spcPct val="130000"/>
+              </a:lnSpc>
+              <a:spcBef>
+                <a:spcPts val="500"/>
+              </a:spcBef>
+              <a:buSzPct val="85000"/>
+              <a:buFontTx/>
+              <a:buNone/>
+              <a:defRPr sz="1200" b="1" kern="1200">
+                <a:solidFill>
+                  <a:schemeClr val="tx1"/>
+                </a:solidFill>
+                <a:latin typeface="+mn-lt"/>
+                <a:ea typeface="+mn-ea"/>
+                <a:cs typeface="+mn-cs"/>
+              </a:defRPr>
+            </a:lvl4pPr>
+            <a:lvl5pPr marL="640080" indent="-182880" algn="l" defTabSz="914400" rtl="0" eaLnBrk="1" latinLnBrk="0" hangingPunct="1">
+              <a:lnSpc>
+                <a:spcPct val="130000"/>
+              </a:lnSpc>
+              <a:spcBef>
+                <a:spcPts val="500"/>
+              </a:spcBef>
+              <a:buSzPct val="85000"/>
+              <a:buFont typeface="Arial" panose="020B0604020202020204" pitchFamily="34" charset="0"/>
+              <a:buChar char="•"/>
+              <a:defRPr sz="1200" kern="1200">
+                <a:solidFill>
+                  <a:schemeClr val="tx1"/>
+                </a:solidFill>
+                <a:latin typeface="+mn-lt"/>
+                <a:ea typeface="+mn-ea"/>
+                <a:cs typeface="+mn-cs"/>
+              </a:defRPr>
+            </a:lvl5pPr>
+            <a:lvl6pPr marL="2514600" indent="-228600" algn="l" defTabSz="914400" rtl="0" eaLnBrk="1" latinLnBrk="0" hangingPunct="1">
+              <a:lnSpc>
+                <a:spcPct val="90000"/>
+              </a:lnSpc>
+              <a:spcBef>
+                <a:spcPts val="500"/>
+              </a:spcBef>
+              <a:buFont typeface="Arial" panose="020B0604020202020204" pitchFamily="34" charset="0"/>
+              <a:buChar char="•"/>
+              <a:defRPr sz="1800" kern="1200">
+                <a:solidFill>
+                  <a:schemeClr val="tx1"/>
+                </a:solidFill>
+                <a:latin typeface="+mn-lt"/>
+                <a:ea typeface="+mn-ea"/>
+                <a:cs typeface="+mn-cs"/>
+              </a:defRPr>
+            </a:lvl6pPr>
+            <a:lvl7pPr marL="2971800" indent="-228600" algn="l" defTabSz="914400" rtl="0" eaLnBrk="1" latinLnBrk="0" hangingPunct="1">
+              <a:lnSpc>
+                <a:spcPct val="90000"/>
+              </a:lnSpc>
+              <a:spcBef>
+                <a:spcPts val="500"/>
+              </a:spcBef>
+              <a:buFont typeface="Arial" panose="020B0604020202020204" pitchFamily="34" charset="0"/>
+              <a:buChar char="•"/>
+              <a:defRPr sz="1800" kern="1200">
+                <a:solidFill>
+                  <a:schemeClr val="tx1"/>
+                </a:solidFill>
+                <a:latin typeface="+mn-lt"/>
+                <a:ea typeface="+mn-ea"/>
+                <a:cs typeface="+mn-cs"/>
+              </a:defRPr>
+            </a:lvl7pPr>
+            <a:lvl8pPr marL="3429000" indent="-228600" algn="l" defTabSz="914400" rtl="0" eaLnBrk="1" latinLnBrk="0" hangingPunct="1">
+              <a:lnSpc>
+                <a:spcPct val="90000"/>
+              </a:lnSpc>
+              <a:spcBef>
+                <a:spcPts val="500"/>
+              </a:spcBef>
+              <a:buFont typeface="Arial" panose="020B0604020202020204" pitchFamily="34" charset="0"/>
+              <a:buChar char="•"/>
+              <a:defRPr sz="1800" kern="1200">
+                <a:solidFill>
+                  <a:schemeClr val="tx1"/>
+                </a:solidFill>
+                <a:latin typeface="+mn-lt"/>
+                <a:ea typeface="+mn-ea"/>
+                <a:cs typeface="+mn-cs"/>
+              </a:defRPr>
+            </a:lvl8pPr>
+            <a:lvl9pPr marL="3886200" indent="-228600" algn="l" defTabSz="914400" rtl="0" eaLnBrk="1" latinLnBrk="0" hangingPunct="1">
+              <a:lnSpc>
+                <a:spcPct val="90000"/>
+              </a:lnSpc>
+              <a:spcBef>
+                <a:spcPts val="500"/>
+              </a:spcBef>
+              <a:buFont typeface="Arial" panose="020B0604020202020204" pitchFamily="34" charset="0"/>
+              <a:buChar char="•"/>
+              <a:defRPr sz="1800" kern="1200">
+                <a:solidFill>
+                  <a:schemeClr val="tx1"/>
+                </a:solidFill>
+                <a:latin typeface="+mn-lt"/>
+                <a:ea typeface="+mn-ea"/>
+                <a:cs typeface="+mn-cs"/>
+              </a:defRPr>
+            </a:lvl9pPr>
+          </a:lstStyle>
+          <a:p>
+            <a:pPr marL="0" indent="0">
+              <a:buFont typeface="Arial" panose="020B0604020202020204" pitchFamily="34" charset="0"/>
+              <a:buNone/>
+            </a:pPr>
+            <a:r>
+              <a:rPr lang="it-IT" dirty="0">
+                <a:latin typeface="Calibri" panose="020F0502020204030204" pitchFamily="34" charset="0"/>
+                <a:cs typeface="Calibri" panose="020F0502020204030204" pitchFamily="34" charset="0"/>
+              </a:rPr>
+              <a:t>Caratteristiche modello utilizzato: </a:t>
+            </a:r>
+          </a:p>
+          <a:p>
+            <a:pPr marL="0" indent="0">
+              <a:buFont typeface="Arial" panose="020B0604020202020204" pitchFamily="34" charset="0"/>
+              <a:buNone/>
+            </a:pPr>
+            <a:r>
+              <a:rPr lang="it-IT" dirty="0">
+                <a:latin typeface="Calibri" panose="020F0502020204030204" pitchFamily="34" charset="0"/>
+                <a:cs typeface="Calibri" panose="020F0502020204030204" pitchFamily="34" charset="0"/>
+              </a:rPr>
+              <a:t>Bert large (24 livelli), 1024 </a:t>
+            </a:r>
+            <a:r>
+              <a:rPr lang="it-IT" dirty="0" err="1">
+                <a:latin typeface="Calibri" panose="020F0502020204030204" pitchFamily="34" charset="0"/>
+                <a:cs typeface="Calibri" panose="020F0502020204030204" pitchFamily="34" charset="0"/>
+              </a:rPr>
+              <a:t>hidden</a:t>
+            </a:r>
+            <a:r>
+              <a:rPr lang="it-IT" dirty="0">
+                <a:latin typeface="Calibri" panose="020F0502020204030204" pitchFamily="34" charset="0"/>
+                <a:cs typeface="Calibri" panose="020F0502020204030204" pitchFamily="34" charset="0"/>
+              </a:rPr>
+              <a:t> </a:t>
+            </a:r>
+            <a:r>
+              <a:rPr lang="it-IT" dirty="0" err="1">
+                <a:latin typeface="Calibri" panose="020F0502020204030204" pitchFamily="34" charset="0"/>
+                <a:cs typeface="Calibri" panose="020F0502020204030204" pitchFamily="34" charset="0"/>
+              </a:rPr>
+              <a:t>dimension</a:t>
+            </a:r>
+            <a:r>
+              <a:rPr lang="it-IT" dirty="0">
+                <a:latin typeface="Calibri" panose="020F0502020204030204" pitchFamily="34" charset="0"/>
+                <a:cs typeface="Calibri" panose="020F0502020204030204" pitchFamily="34" charset="0"/>
+              </a:rPr>
+              <a:t>, 16 </a:t>
+            </a:r>
+            <a:r>
+              <a:rPr lang="it-IT" dirty="0" err="1">
+                <a:latin typeface="Calibri" panose="020F0502020204030204" pitchFamily="34" charset="0"/>
+                <a:cs typeface="Calibri" panose="020F0502020204030204" pitchFamily="34" charset="0"/>
+              </a:rPr>
+              <a:t>attention</a:t>
+            </a:r>
+            <a:r>
+              <a:rPr lang="it-IT" dirty="0">
+                <a:latin typeface="Calibri" panose="020F0502020204030204" pitchFamily="34" charset="0"/>
+                <a:cs typeface="Calibri" panose="020F0502020204030204" pitchFamily="34" charset="0"/>
+              </a:rPr>
+              <a:t> heads, 336 milioni di parametri. </a:t>
+            </a:r>
+          </a:p>
+        </p:txBody>
+      </p:sp>
+    </p:spTree>
+    <p:extLst>
+      <p:ext uri="{BB962C8B-B14F-4D97-AF65-F5344CB8AC3E}">
+        <p14:creationId xmlns:p14="http://schemas.microsoft.com/office/powerpoint/2010/main" val="2332215326"/>
+      </p:ext>
+    </p:extLst>
+  </p:cSld>
+  <p:clrMapOvr>
+    <a:masterClrMapping/>
+  </p:clrMapOvr>
+</p:sld>
+</file>
+
+<file path=ppt/slides/slide7.xml><?xml version="1.0" encoding="utf-8"?>
+<p:sld xmlns:a="http://schemas.openxmlformats.org/drawingml/2006/main" xmlns:r="http://schemas.openxmlformats.org/officeDocument/2006/relationships" xmlns:p="http://schemas.openxmlformats.org/presentationml/2006/main">
+  <p:cSld>
+    <p:spTree>
+      <p:nvGrpSpPr>
+        <p:cNvPr id="1" name=""/>
+        <p:cNvGrpSpPr/>
+        <p:nvPr/>
+      </p:nvGrpSpPr>
+      <p:grpSpPr>
+        <a:xfrm>
+          <a:off x="0" y="0"/>
+          <a:ext cx="0" cy="0"/>
+          <a:chOff x="0" y="0"/>
+          <a:chExt cx="0" cy="0"/>
+        </a:xfrm>
+      </p:grpSpPr>
+      <p:sp>
+        <p:nvSpPr>
+          <p:cNvPr id="2" name="Titolo 1">
+            <a:extLst>
+              <a:ext uri="{FF2B5EF4-FFF2-40B4-BE49-F238E27FC236}">
+                <a16:creationId xmlns:a16="http://schemas.microsoft.com/office/drawing/2014/main" id="{D898B512-9044-4BC0-A5E4-44B463C26529}"/>
+              </a:ext>
+            </a:extLst>
+          </p:cNvPr>
+          <p:cNvSpPr>
+            <a:spLocks noGrp="1"/>
+          </p:cNvSpPr>
+          <p:nvPr>
+            <p:ph type="title"/>
+          </p:nvPr>
+        </p:nvSpPr>
+        <p:spPr>
+          <a:xfrm>
+            <a:off x="543741" y="473945"/>
+            <a:ext cx="9238434" cy="857559"/>
+          </a:xfrm>
+        </p:spPr>
+        <p:txBody>
+          <a:bodyPr/>
+          <a:lstStyle/>
+          <a:p>
+            <a:r>
+              <a:rPr lang="it-IT" dirty="0"/>
+              <a:t>Struttura dei database</a:t>
+            </a:r>
+          </a:p>
+        </p:txBody>
+      </p:sp>
+      <p:sp>
+        <p:nvSpPr>
+          <p:cNvPr id="3" name="Segnaposto contenuto 2">
+            <a:extLst>
+              <a:ext uri="{FF2B5EF4-FFF2-40B4-BE49-F238E27FC236}">
+                <a16:creationId xmlns:a16="http://schemas.microsoft.com/office/drawing/2014/main" id="{BF5455ED-99BC-430F-9E86-73DBE094BC04}"/>
+              </a:ext>
+            </a:extLst>
+          </p:cNvPr>
+          <p:cNvSpPr>
+            <a:spLocks noGrp="1"/>
+          </p:cNvSpPr>
+          <p:nvPr>
+            <p:ph idx="1"/>
+          </p:nvPr>
+        </p:nvSpPr>
+        <p:spPr>
+          <a:xfrm>
+            <a:off x="543740" y="1704975"/>
+            <a:ext cx="11476809" cy="3810000"/>
+          </a:xfrm>
+        </p:spPr>
+        <p:txBody>
+          <a:bodyPr/>
+          <a:lstStyle/>
+          <a:p>
+            <a:pPr marL="0" indent="0">
+              <a:buNone/>
+            </a:pPr>
+            <a:r>
+              <a:rPr lang="it-IT" dirty="0">
+                <a:latin typeface="Calibri" panose="020F0502020204030204" pitchFamily="34" charset="0"/>
+                <a:cs typeface="Calibri" panose="020F0502020204030204" pitchFamily="34" charset="0"/>
+              </a:rPr>
+              <a:t>I database sono reperibili sul sito di </a:t>
+            </a:r>
+            <a:r>
+              <a:rPr lang="it-IT" dirty="0" err="1">
+                <a:latin typeface="Calibri" panose="020F0502020204030204" pitchFamily="34" charset="0"/>
+                <a:cs typeface="Calibri" panose="020F0502020204030204" pitchFamily="34" charset="0"/>
+              </a:rPr>
+              <a:t>Kaggle</a:t>
+            </a:r>
+            <a:r>
+              <a:rPr lang="it-IT" dirty="0">
+                <a:latin typeface="Calibri" panose="020F0502020204030204" pitchFamily="34" charset="0"/>
+                <a:cs typeface="Calibri" panose="020F0502020204030204" pitchFamily="34" charset="0"/>
+              </a:rPr>
+              <a:t> per il tutorial proposto per NLP «</a:t>
+            </a:r>
+            <a:r>
+              <a:rPr lang="en-US" b="1" i="0" dirty="0">
+                <a:solidFill>
+                  <a:srgbClr val="FFFFFF"/>
+                </a:solidFill>
+                <a:effectLst/>
+                <a:latin typeface="Calibri" panose="020F0502020204030204" pitchFamily="34" charset="0"/>
+                <a:cs typeface="Calibri" panose="020F0502020204030204" pitchFamily="34" charset="0"/>
+              </a:rPr>
+              <a:t>Natural Language Processing with Disaster Tweets</a:t>
+            </a:r>
+            <a:r>
+              <a:rPr lang="it-IT" b="1" dirty="0">
+                <a:solidFill>
+                  <a:srgbClr val="FFFFFF"/>
+                </a:solidFill>
+                <a:latin typeface="Calibri" panose="020F0502020204030204" pitchFamily="34" charset="0"/>
+                <a:cs typeface="Calibri" panose="020F0502020204030204" pitchFamily="34" charset="0"/>
+              </a:rPr>
+              <a:t>». </a:t>
+            </a:r>
+            <a:r>
+              <a:rPr lang="it-IT" dirty="0">
+                <a:solidFill>
+                  <a:srgbClr val="FFFFFF"/>
+                </a:solidFill>
+                <a:latin typeface="Calibri" panose="020F0502020204030204" pitchFamily="34" charset="0"/>
+                <a:cs typeface="Calibri" panose="020F0502020204030204" pitchFamily="34" charset="0"/>
+              </a:rPr>
+              <a:t>Comprendono i database per la parte di addestramento e per la parte di test.</a:t>
+            </a:r>
+          </a:p>
+        </p:txBody>
+      </p:sp>
+      <p:pic>
+        <p:nvPicPr>
+          <p:cNvPr id="8" name="Immagine 7">
+            <a:extLst>
+              <a:ext uri="{FF2B5EF4-FFF2-40B4-BE49-F238E27FC236}">
+                <a16:creationId xmlns:a16="http://schemas.microsoft.com/office/drawing/2014/main" id="{A5A70B60-A373-4E52-82A4-BA2D0C713203}"/>
+              </a:ext>
+            </a:extLst>
+          </p:cNvPr>
+          <p:cNvPicPr>
+            <a:picLocks noChangeAspect="1"/>
+          </p:cNvPicPr>
+          <p:nvPr/>
+        </p:nvPicPr>
+        <p:blipFill>
+          <a:blip r:embed="rId2"/>
+          <a:stretch>
+            <a:fillRect/>
+          </a:stretch>
+        </p:blipFill>
+        <p:spPr>
+          <a:xfrm>
+            <a:off x="453253" y="2851740"/>
+            <a:ext cx="5324475" cy="752475"/>
+          </a:xfrm>
+          <a:prstGeom prst="rect">
+            <a:avLst/>
+          </a:prstGeom>
+        </p:spPr>
+      </p:pic>
+      <p:pic>
+        <p:nvPicPr>
+          <p:cNvPr id="10" name="Immagine 9">
+            <a:extLst>
+              <a:ext uri="{FF2B5EF4-FFF2-40B4-BE49-F238E27FC236}">
+                <a16:creationId xmlns:a16="http://schemas.microsoft.com/office/drawing/2014/main" id="{90A948D9-0849-4099-AA92-FD1D531FC6D8}"/>
+              </a:ext>
+            </a:extLst>
+          </p:cNvPr>
+          <p:cNvPicPr>
+            <a:picLocks noChangeAspect="1"/>
+          </p:cNvPicPr>
+          <p:nvPr/>
+        </p:nvPicPr>
+        <p:blipFill>
+          <a:blip r:embed="rId3"/>
+          <a:stretch>
+            <a:fillRect/>
+          </a:stretch>
+        </p:blipFill>
+        <p:spPr>
+          <a:xfrm>
+            <a:off x="6567487" y="2908890"/>
+            <a:ext cx="5305425" cy="695325"/>
+          </a:xfrm>
+          <a:prstGeom prst="rect">
+            <a:avLst/>
+          </a:prstGeom>
+        </p:spPr>
+      </p:pic>
+      <p:sp>
+        <p:nvSpPr>
+          <p:cNvPr id="13" name="Segnaposto contenuto 2">
+            <a:extLst>
+              <a:ext uri="{FF2B5EF4-FFF2-40B4-BE49-F238E27FC236}">
+                <a16:creationId xmlns:a16="http://schemas.microsoft.com/office/drawing/2014/main" id="{84160F07-2D00-4655-8E9F-9CC08DA2F626}"/>
+              </a:ext>
+            </a:extLst>
+          </p:cNvPr>
+          <p:cNvSpPr txBox="1">
+            <a:spLocks/>
+          </p:cNvSpPr>
+          <p:nvPr/>
+        </p:nvSpPr>
+        <p:spPr>
+          <a:xfrm>
+            <a:off x="6567487" y="3790951"/>
+            <a:ext cx="5305426" cy="2516981"/>
+          </a:xfrm>
+          <a:prstGeom prst="rect">
+            <a:avLst/>
+          </a:prstGeom>
+        </p:spPr>
+        <p:txBody>
+          <a:bodyPr vert="horz" lIns="91440" tIns="45720" rIns="91440" bIns="45720" rtlCol="0">
+            <a:normAutofit/>
+          </a:bodyPr>
+          <a:lstStyle>
+            <a:lvl1pPr marL="274320" indent="-274320" algn="l" defTabSz="914400" rtl="0" eaLnBrk="1" latinLnBrk="0" hangingPunct="1">
+              <a:lnSpc>
+                <a:spcPct val="130000"/>
+              </a:lnSpc>
+              <a:spcBef>
+                <a:spcPts val="1000"/>
+              </a:spcBef>
+              <a:buSzPct val="85000"/>
+              <a:buFont typeface="Arial" panose="020B0604020202020204" pitchFamily="34" charset="0"/>
+              <a:buChar char="•"/>
+              <a:defRPr sz="1800" kern="1200">
+                <a:solidFill>
+                  <a:schemeClr val="tx1"/>
+                </a:solidFill>
+                <a:latin typeface="+mn-lt"/>
+                <a:ea typeface="+mn-ea"/>
+                <a:cs typeface="+mn-cs"/>
+              </a:defRPr>
+            </a:lvl1pPr>
+            <a:lvl2pPr marL="274320" indent="0" algn="l" defTabSz="914400" rtl="0" eaLnBrk="1" latinLnBrk="0" hangingPunct="1">
+              <a:lnSpc>
+                <a:spcPct val="130000"/>
+              </a:lnSpc>
+              <a:spcBef>
+                <a:spcPts val="500"/>
+              </a:spcBef>
+              <a:buSzPct val="85000"/>
+              <a:buFontTx/>
+              <a:buNone/>
+              <a:defRPr sz="1600" b="1" kern="1200">
+                <a:solidFill>
+                  <a:schemeClr val="tx1"/>
+                </a:solidFill>
+                <a:latin typeface="+mn-lt"/>
+                <a:ea typeface="+mn-ea"/>
+                <a:cs typeface="+mn-cs"/>
+              </a:defRPr>
+            </a:lvl2pPr>
+            <a:lvl3pPr marL="457200" indent="-182880" algn="l" defTabSz="914400" rtl="0" eaLnBrk="1" latinLnBrk="0" hangingPunct="1">
+              <a:lnSpc>
+                <a:spcPct val="130000"/>
+              </a:lnSpc>
+              <a:spcBef>
+                <a:spcPts val="500"/>
+              </a:spcBef>
+              <a:buSzPct val="85000"/>
+              <a:buFont typeface="Arial" panose="020B0604020202020204" pitchFamily="34" charset="0"/>
+              <a:buChar char="•"/>
+              <a:defRPr sz="1400" kern="1200">
+                <a:solidFill>
+                  <a:schemeClr val="tx1"/>
+                </a:solidFill>
+                <a:latin typeface="+mn-lt"/>
+                <a:ea typeface="+mn-ea"/>
+                <a:cs typeface="+mn-cs"/>
+              </a:defRPr>
+            </a:lvl3pPr>
+            <a:lvl4pPr marL="466344" indent="0" algn="l" defTabSz="914400" rtl="0" eaLnBrk="1" latinLnBrk="0" hangingPunct="1">
+              <a:lnSpc>
+                <a:spcPct val="130000"/>
+              </a:lnSpc>
+              <a:spcBef>
+                <a:spcPts val="500"/>
+              </a:spcBef>
+              <a:buSzPct val="85000"/>
+              <a:buFontTx/>
+              <a:buNone/>
+              <a:defRPr sz="1200" b="1" kern="1200">
+                <a:solidFill>
+                  <a:schemeClr val="tx1"/>
+                </a:solidFill>
+                <a:latin typeface="+mn-lt"/>
+                <a:ea typeface="+mn-ea"/>
+                <a:cs typeface="+mn-cs"/>
+              </a:defRPr>
+            </a:lvl4pPr>
+            <a:lvl5pPr marL="640080" indent="-182880" algn="l" defTabSz="914400" rtl="0" eaLnBrk="1" latinLnBrk="0" hangingPunct="1">
+              <a:lnSpc>
+                <a:spcPct val="130000"/>
+              </a:lnSpc>
+              <a:spcBef>
+                <a:spcPts val="500"/>
+              </a:spcBef>
+              <a:buSzPct val="85000"/>
+              <a:buFont typeface="Arial" panose="020B0604020202020204" pitchFamily="34" charset="0"/>
+              <a:buChar char="•"/>
+              <a:defRPr sz="1200" kern="1200">
+                <a:solidFill>
+                  <a:schemeClr val="tx1"/>
+                </a:solidFill>
+                <a:latin typeface="+mn-lt"/>
+                <a:ea typeface="+mn-ea"/>
+                <a:cs typeface="+mn-cs"/>
+              </a:defRPr>
+            </a:lvl5pPr>
+            <a:lvl6pPr marL="2514600" indent="-228600" algn="l" defTabSz="914400" rtl="0" eaLnBrk="1" latinLnBrk="0" hangingPunct="1">
+              <a:lnSpc>
+                <a:spcPct val="90000"/>
+              </a:lnSpc>
+              <a:spcBef>
+                <a:spcPts val="500"/>
+              </a:spcBef>
+              <a:buFont typeface="Arial" panose="020B0604020202020204" pitchFamily="34" charset="0"/>
+              <a:buChar char="•"/>
+              <a:defRPr sz="1800" kern="1200">
+                <a:solidFill>
+                  <a:schemeClr val="tx1"/>
+                </a:solidFill>
+                <a:latin typeface="+mn-lt"/>
+                <a:ea typeface="+mn-ea"/>
+                <a:cs typeface="+mn-cs"/>
+              </a:defRPr>
+            </a:lvl6pPr>
+            <a:lvl7pPr marL="2971800" indent="-228600" algn="l" defTabSz="914400" rtl="0" eaLnBrk="1" latinLnBrk="0" hangingPunct="1">
+              <a:lnSpc>
+                <a:spcPct val="90000"/>
+              </a:lnSpc>
+              <a:spcBef>
+                <a:spcPts val="500"/>
+              </a:spcBef>
+              <a:buFont typeface="Arial" panose="020B0604020202020204" pitchFamily="34" charset="0"/>
+              <a:buChar char="•"/>
+              <a:defRPr sz="1800" kern="1200">
+                <a:solidFill>
+                  <a:schemeClr val="tx1"/>
+                </a:solidFill>
+                <a:latin typeface="+mn-lt"/>
+                <a:ea typeface="+mn-ea"/>
+                <a:cs typeface="+mn-cs"/>
+              </a:defRPr>
+            </a:lvl7pPr>
+            <a:lvl8pPr marL="3429000" indent="-228600" algn="l" defTabSz="914400" rtl="0" eaLnBrk="1" latinLnBrk="0" hangingPunct="1">
+              <a:lnSpc>
+                <a:spcPct val="90000"/>
+              </a:lnSpc>
+              <a:spcBef>
+                <a:spcPts val="500"/>
+              </a:spcBef>
+              <a:buFont typeface="Arial" panose="020B0604020202020204" pitchFamily="34" charset="0"/>
+              <a:buChar char="•"/>
+              <a:defRPr sz="1800" kern="1200">
+                <a:solidFill>
+                  <a:schemeClr val="tx1"/>
+                </a:solidFill>
+                <a:latin typeface="+mn-lt"/>
+                <a:ea typeface="+mn-ea"/>
+                <a:cs typeface="+mn-cs"/>
+              </a:defRPr>
+            </a:lvl8pPr>
+            <a:lvl9pPr marL="3886200" indent="-228600" algn="l" defTabSz="914400" rtl="0" eaLnBrk="1" latinLnBrk="0" hangingPunct="1">
+              <a:lnSpc>
+                <a:spcPct val="90000"/>
+              </a:lnSpc>
+              <a:spcBef>
+                <a:spcPts val="500"/>
+              </a:spcBef>
+              <a:buFont typeface="Arial" panose="020B0604020202020204" pitchFamily="34" charset="0"/>
+              <a:buChar char="•"/>
+              <a:defRPr sz="1800" kern="1200">
+                <a:solidFill>
+                  <a:schemeClr val="tx1"/>
+                </a:solidFill>
+                <a:latin typeface="+mn-lt"/>
+                <a:ea typeface="+mn-ea"/>
+                <a:cs typeface="+mn-cs"/>
+              </a:defRPr>
+            </a:lvl9pPr>
+          </a:lstStyle>
+          <a:p>
+            <a:pPr marL="0" indent="0">
+              <a:buFont typeface="Arial" panose="020B0604020202020204" pitchFamily="34" charset="0"/>
+              <a:buNone/>
+            </a:pPr>
+            <a:r>
+              <a:rPr lang="it-IT" b="1" dirty="0">
+                <a:latin typeface="Calibri" panose="020F0502020204030204" pitchFamily="34" charset="0"/>
+                <a:cs typeface="Calibri" panose="020F0502020204030204" pitchFamily="34" charset="0"/>
+              </a:rPr>
+              <a:t>Test set (3263 tweet):</a:t>
+            </a:r>
+          </a:p>
+          <a:p>
+            <a:r>
+              <a:rPr lang="it-IT" dirty="0">
+                <a:latin typeface="Calibri" panose="020F0502020204030204" pitchFamily="34" charset="0"/>
+                <a:cs typeface="Calibri" panose="020F0502020204030204" pitchFamily="34" charset="0"/>
+              </a:rPr>
+              <a:t>ID</a:t>
+            </a:r>
+          </a:p>
+          <a:p>
+            <a:r>
+              <a:rPr lang="it-IT" dirty="0">
+                <a:latin typeface="Calibri" panose="020F0502020204030204" pitchFamily="34" charset="0"/>
+                <a:cs typeface="Calibri" panose="020F0502020204030204" pitchFamily="34" charset="0"/>
+              </a:rPr>
+              <a:t>Keyword</a:t>
+            </a:r>
+          </a:p>
+          <a:p>
+            <a:r>
+              <a:rPr lang="it-IT" dirty="0">
+                <a:latin typeface="Calibri" panose="020F0502020204030204" pitchFamily="34" charset="0"/>
+                <a:cs typeface="Calibri" panose="020F0502020204030204" pitchFamily="34" charset="0"/>
+              </a:rPr>
+              <a:t>Location</a:t>
+            </a:r>
+          </a:p>
+          <a:p>
+            <a:r>
+              <a:rPr lang="it-IT" dirty="0">
+                <a:latin typeface="Calibri" panose="020F0502020204030204" pitchFamily="34" charset="0"/>
+                <a:cs typeface="Calibri" panose="020F0502020204030204" pitchFamily="34" charset="0"/>
+              </a:rPr>
+              <a:t>Text</a:t>
+            </a:r>
+          </a:p>
+        </p:txBody>
+      </p:sp>
+      <p:sp>
+        <p:nvSpPr>
+          <p:cNvPr id="14" name="Segnaposto contenuto 2">
+            <a:extLst>
+              <a:ext uri="{FF2B5EF4-FFF2-40B4-BE49-F238E27FC236}">
+                <a16:creationId xmlns:a16="http://schemas.microsoft.com/office/drawing/2014/main" id="{FF0507AB-071E-43DB-A96D-1DEA47D92703}"/>
+              </a:ext>
+            </a:extLst>
+          </p:cNvPr>
+          <p:cNvSpPr txBox="1">
+            <a:spLocks/>
+          </p:cNvSpPr>
+          <p:nvPr/>
+        </p:nvSpPr>
+        <p:spPr>
+          <a:xfrm>
+            <a:off x="543740" y="3790951"/>
+            <a:ext cx="5066485" cy="2870790"/>
+          </a:xfrm>
+          <a:prstGeom prst="rect">
+            <a:avLst/>
+          </a:prstGeom>
+        </p:spPr>
+        <p:txBody>
+          <a:bodyPr vert="horz" lIns="91440" tIns="45720" rIns="91440" bIns="45720" rtlCol="0">
+            <a:normAutofit/>
+          </a:bodyPr>
+          <a:lstStyle>
+            <a:lvl1pPr marL="274320" indent="-274320" algn="l" defTabSz="914400" rtl="0" eaLnBrk="1" latinLnBrk="0" hangingPunct="1">
+              <a:lnSpc>
+                <a:spcPct val="130000"/>
+              </a:lnSpc>
+              <a:spcBef>
+                <a:spcPts val="1000"/>
+              </a:spcBef>
+              <a:buSzPct val="85000"/>
+              <a:buFont typeface="Arial" panose="020B0604020202020204" pitchFamily="34" charset="0"/>
+              <a:buChar char="•"/>
+              <a:defRPr sz="1800" kern="1200">
+                <a:solidFill>
+                  <a:schemeClr val="tx1"/>
+                </a:solidFill>
+                <a:latin typeface="+mn-lt"/>
+                <a:ea typeface="+mn-ea"/>
+                <a:cs typeface="+mn-cs"/>
+              </a:defRPr>
+            </a:lvl1pPr>
+            <a:lvl2pPr marL="274320" indent="0" algn="l" defTabSz="914400" rtl="0" eaLnBrk="1" latinLnBrk="0" hangingPunct="1">
+              <a:lnSpc>
+                <a:spcPct val="130000"/>
+              </a:lnSpc>
+              <a:spcBef>
+                <a:spcPts val="500"/>
+              </a:spcBef>
+              <a:buSzPct val="85000"/>
+              <a:buFontTx/>
+              <a:buNone/>
+              <a:defRPr sz="1600" b="1" kern="1200">
+                <a:solidFill>
+                  <a:schemeClr val="tx1"/>
+                </a:solidFill>
+                <a:latin typeface="+mn-lt"/>
+                <a:ea typeface="+mn-ea"/>
+                <a:cs typeface="+mn-cs"/>
+              </a:defRPr>
+            </a:lvl2pPr>
+            <a:lvl3pPr marL="457200" indent="-182880" algn="l" defTabSz="914400" rtl="0" eaLnBrk="1" latinLnBrk="0" hangingPunct="1">
+              <a:lnSpc>
+                <a:spcPct val="130000"/>
+              </a:lnSpc>
+              <a:spcBef>
+                <a:spcPts val="500"/>
+              </a:spcBef>
+              <a:buSzPct val="85000"/>
+              <a:buFont typeface="Arial" panose="020B0604020202020204" pitchFamily="34" charset="0"/>
+              <a:buChar char="•"/>
+              <a:defRPr sz="1400" kern="1200">
+                <a:solidFill>
+                  <a:schemeClr val="tx1"/>
+                </a:solidFill>
+                <a:latin typeface="+mn-lt"/>
+                <a:ea typeface="+mn-ea"/>
+                <a:cs typeface="+mn-cs"/>
+              </a:defRPr>
+            </a:lvl3pPr>
+            <a:lvl4pPr marL="466344" indent="0" algn="l" defTabSz="914400" rtl="0" eaLnBrk="1" latinLnBrk="0" hangingPunct="1">
+              <a:lnSpc>
+                <a:spcPct val="130000"/>
+              </a:lnSpc>
+              <a:spcBef>
+                <a:spcPts val="500"/>
+              </a:spcBef>
+              <a:buSzPct val="85000"/>
+              <a:buFontTx/>
+              <a:buNone/>
+              <a:defRPr sz="1200" b="1" kern="1200">
+                <a:solidFill>
+                  <a:schemeClr val="tx1"/>
+                </a:solidFill>
+                <a:latin typeface="+mn-lt"/>
+                <a:ea typeface="+mn-ea"/>
+                <a:cs typeface="+mn-cs"/>
+              </a:defRPr>
+            </a:lvl4pPr>
+            <a:lvl5pPr marL="640080" indent="-182880" algn="l" defTabSz="914400" rtl="0" eaLnBrk="1" latinLnBrk="0" hangingPunct="1">
+              <a:lnSpc>
+                <a:spcPct val="130000"/>
+              </a:lnSpc>
+              <a:spcBef>
+                <a:spcPts val="500"/>
+              </a:spcBef>
+              <a:buSzPct val="85000"/>
+              <a:buFont typeface="Arial" panose="020B0604020202020204" pitchFamily="34" charset="0"/>
+              <a:buChar char="•"/>
+              <a:defRPr sz="1200" kern="1200">
+                <a:solidFill>
+                  <a:schemeClr val="tx1"/>
+                </a:solidFill>
+                <a:latin typeface="+mn-lt"/>
+                <a:ea typeface="+mn-ea"/>
+                <a:cs typeface="+mn-cs"/>
+              </a:defRPr>
+            </a:lvl5pPr>
+            <a:lvl6pPr marL="2514600" indent="-228600" algn="l" defTabSz="914400" rtl="0" eaLnBrk="1" latinLnBrk="0" hangingPunct="1">
+              <a:lnSpc>
+                <a:spcPct val="90000"/>
+              </a:lnSpc>
+              <a:spcBef>
+                <a:spcPts val="500"/>
+              </a:spcBef>
+              <a:buFont typeface="Arial" panose="020B0604020202020204" pitchFamily="34" charset="0"/>
+              <a:buChar char="•"/>
+              <a:defRPr sz="1800" kern="1200">
+                <a:solidFill>
+                  <a:schemeClr val="tx1"/>
+                </a:solidFill>
+                <a:latin typeface="+mn-lt"/>
+                <a:ea typeface="+mn-ea"/>
+                <a:cs typeface="+mn-cs"/>
+              </a:defRPr>
+            </a:lvl6pPr>
+            <a:lvl7pPr marL="2971800" indent="-228600" algn="l" defTabSz="914400" rtl="0" eaLnBrk="1" latinLnBrk="0" hangingPunct="1">
+              <a:lnSpc>
+                <a:spcPct val="90000"/>
+              </a:lnSpc>
+              <a:spcBef>
+                <a:spcPts val="500"/>
+              </a:spcBef>
+              <a:buFont typeface="Arial" panose="020B0604020202020204" pitchFamily="34" charset="0"/>
+              <a:buChar char="•"/>
+              <a:defRPr sz="1800" kern="1200">
+                <a:solidFill>
+                  <a:schemeClr val="tx1"/>
+                </a:solidFill>
+                <a:latin typeface="+mn-lt"/>
+                <a:ea typeface="+mn-ea"/>
+                <a:cs typeface="+mn-cs"/>
+              </a:defRPr>
+            </a:lvl7pPr>
+            <a:lvl8pPr marL="3429000" indent="-228600" algn="l" defTabSz="914400" rtl="0" eaLnBrk="1" latinLnBrk="0" hangingPunct="1">
+              <a:lnSpc>
+                <a:spcPct val="90000"/>
+              </a:lnSpc>
+              <a:spcBef>
+                <a:spcPts val="500"/>
+              </a:spcBef>
+              <a:buFont typeface="Arial" panose="020B0604020202020204" pitchFamily="34" charset="0"/>
+              <a:buChar char="•"/>
+              <a:defRPr sz="1800" kern="1200">
+                <a:solidFill>
+                  <a:schemeClr val="tx1"/>
+                </a:solidFill>
+                <a:latin typeface="+mn-lt"/>
+                <a:ea typeface="+mn-ea"/>
+                <a:cs typeface="+mn-cs"/>
+              </a:defRPr>
+            </a:lvl8pPr>
+            <a:lvl9pPr marL="3886200" indent="-228600" algn="l" defTabSz="914400" rtl="0" eaLnBrk="1" latinLnBrk="0" hangingPunct="1">
+              <a:lnSpc>
+                <a:spcPct val="90000"/>
+              </a:lnSpc>
+              <a:spcBef>
+                <a:spcPts val="500"/>
+              </a:spcBef>
+              <a:buFont typeface="Arial" panose="020B0604020202020204" pitchFamily="34" charset="0"/>
+              <a:buChar char="•"/>
+              <a:defRPr sz="1800" kern="1200">
+                <a:solidFill>
+                  <a:schemeClr val="tx1"/>
+                </a:solidFill>
+                <a:latin typeface="+mn-lt"/>
+                <a:ea typeface="+mn-ea"/>
+                <a:cs typeface="+mn-cs"/>
+              </a:defRPr>
+            </a:lvl9pPr>
+          </a:lstStyle>
+          <a:p>
+            <a:pPr marL="0" indent="0">
+              <a:buFont typeface="Arial" panose="020B0604020202020204" pitchFamily="34" charset="0"/>
+              <a:buNone/>
+            </a:pPr>
+            <a:r>
+              <a:rPr lang="it-IT" b="1" dirty="0">
+                <a:latin typeface="Calibri" panose="020F0502020204030204" pitchFamily="34" charset="0"/>
+                <a:cs typeface="Calibri" panose="020F0502020204030204" pitchFamily="34" charset="0"/>
+              </a:rPr>
+              <a:t>Training set (7613 tweet):</a:t>
+            </a:r>
+          </a:p>
+          <a:p>
+            <a:r>
+              <a:rPr lang="it-IT" dirty="0">
+                <a:latin typeface="Calibri" panose="020F0502020204030204" pitchFamily="34" charset="0"/>
+                <a:cs typeface="Calibri" panose="020F0502020204030204" pitchFamily="34" charset="0"/>
+              </a:rPr>
+              <a:t>ID: identificativo del tweet</a:t>
+            </a:r>
+          </a:p>
+          <a:p>
+            <a:r>
+              <a:rPr lang="it-IT" dirty="0">
+                <a:latin typeface="Calibri" panose="020F0502020204030204" pitchFamily="34" charset="0"/>
+                <a:cs typeface="Calibri" panose="020F0502020204030204" pitchFamily="34" charset="0"/>
+              </a:rPr>
+              <a:t>Keyword: parole chiave del tweet</a:t>
+            </a:r>
+          </a:p>
+          <a:p>
+            <a:r>
+              <a:rPr lang="it-IT" dirty="0">
+                <a:latin typeface="Calibri" panose="020F0502020204030204" pitchFamily="34" charset="0"/>
+                <a:cs typeface="Calibri" panose="020F0502020204030204" pitchFamily="34" charset="0"/>
+              </a:rPr>
+              <a:t>Location</a:t>
+            </a:r>
+          </a:p>
+          <a:p>
+            <a:r>
+              <a:rPr lang="it-IT" dirty="0">
+                <a:latin typeface="Calibri" panose="020F0502020204030204" pitchFamily="34" charset="0"/>
+                <a:cs typeface="Calibri" panose="020F0502020204030204" pitchFamily="34" charset="0"/>
+              </a:rPr>
+              <a:t>Text</a:t>
+            </a:r>
+          </a:p>
+          <a:p>
+            <a:r>
+              <a:rPr lang="it-IT" dirty="0">
+                <a:latin typeface="Calibri" panose="020F0502020204030204" pitchFamily="34" charset="0"/>
+                <a:cs typeface="Calibri" panose="020F0502020204030204" pitchFamily="34" charset="0"/>
+              </a:rPr>
+              <a:t>Target: 1 se disastro 0 altrimenti</a:t>
+            </a:r>
+          </a:p>
+        </p:txBody>
+      </p:sp>
+    </p:spTree>
+    <p:extLst>
+      <p:ext uri="{BB962C8B-B14F-4D97-AF65-F5344CB8AC3E}">
+        <p14:creationId xmlns:p14="http://schemas.microsoft.com/office/powerpoint/2010/main" val="599544795"/>
+      </p:ext>
+    </p:extLst>
+  </p:cSld>
+  <p:clrMapOvr>
+    <a:masterClrMapping/>
+  </p:clrMapOvr>
+</p:sld>
+</file>
+
+<file path=ppt/slides/slide8.xml><?xml version="1.0" encoding="utf-8"?>
+<p:sld xmlns:a="http://schemas.openxmlformats.org/drawingml/2006/main" xmlns:r="http://schemas.openxmlformats.org/officeDocument/2006/relationships" xmlns:p="http://schemas.openxmlformats.org/presentationml/2006/main">
+  <p:cSld>
+    <p:spTree>
+      <p:nvGrpSpPr>
+        <p:cNvPr id="1" name=""/>
+        <p:cNvGrpSpPr/>
+        <p:nvPr/>
+      </p:nvGrpSpPr>
+      <p:grpSpPr>
+        <a:xfrm>
+          <a:off x="0" y="0"/>
+          <a:ext cx="0" cy="0"/>
+          <a:chOff x="0" y="0"/>
+          <a:chExt cx="0" cy="0"/>
+        </a:xfrm>
+      </p:grpSpPr>
+      <p:sp>
+        <p:nvSpPr>
+          <p:cNvPr id="2" name="Titolo 1">
+            <a:extLst>
+              <a:ext uri="{FF2B5EF4-FFF2-40B4-BE49-F238E27FC236}">
+                <a16:creationId xmlns:a16="http://schemas.microsoft.com/office/drawing/2014/main" id="{FF5BD836-5777-4375-BB73-F03520F1793D}"/>
+              </a:ext>
+            </a:extLst>
+          </p:cNvPr>
+          <p:cNvSpPr>
+            <a:spLocks noGrp="1"/>
+          </p:cNvSpPr>
+          <p:nvPr>
+            <p:ph type="title"/>
+          </p:nvPr>
+        </p:nvSpPr>
+        <p:spPr>
+          <a:xfrm>
+            <a:off x="621698" y="299720"/>
+            <a:ext cx="9238434" cy="857559"/>
+          </a:xfrm>
+        </p:spPr>
+        <p:txBody>
+          <a:bodyPr/>
+          <a:lstStyle/>
+          <a:p>
+            <a:r>
+              <a:rPr lang="it-IT" dirty="0" err="1"/>
+              <a:t>Preprocessing</a:t>
+            </a:r>
+            <a:r>
+              <a:rPr lang="it-IT" dirty="0"/>
+              <a:t> data</a:t>
+            </a:r>
+          </a:p>
+        </p:txBody>
+      </p:sp>
+      <p:sp>
+        <p:nvSpPr>
+          <p:cNvPr id="3" name="Segnaposto contenuto 2">
+            <a:extLst>
+              <a:ext uri="{FF2B5EF4-FFF2-40B4-BE49-F238E27FC236}">
+                <a16:creationId xmlns:a16="http://schemas.microsoft.com/office/drawing/2014/main" id="{045540DC-1D9B-48CE-A8D3-A54154F33B2F}"/>
+              </a:ext>
+            </a:extLst>
+          </p:cNvPr>
+          <p:cNvSpPr>
+            <a:spLocks noGrp="1"/>
+          </p:cNvSpPr>
+          <p:nvPr>
+            <p:ph idx="1"/>
+          </p:nvPr>
+        </p:nvSpPr>
+        <p:spPr>
+          <a:xfrm>
+            <a:off x="621698" y="1380478"/>
+            <a:ext cx="10723964" cy="3810000"/>
+          </a:xfrm>
+        </p:spPr>
+        <p:txBody>
+          <a:bodyPr/>
+          <a:lstStyle/>
+          <a:p>
+            <a:r>
+              <a:rPr lang="it-IT" dirty="0">
+                <a:latin typeface="Calibri" panose="020F0502020204030204" pitchFamily="34" charset="0"/>
+                <a:cs typeface="Calibri" panose="020F0502020204030204" pitchFamily="34" charset="0"/>
+              </a:rPr>
+              <a:t>Per prima cosa bisognerà importare i due formati csv all’interno dello script attraverso la  libreria «</a:t>
+            </a:r>
+            <a:r>
+              <a:rPr lang="it-IT" dirty="0" err="1">
+                <a:latin typeface="Calibri" panose="020F0502020204030204" pitchFamily="34" charset="0"/>
+                <a:cs typeface="Calibri" panose="020F0502020204030204" pitchFamily="34" charset="0"/>
+              </a:rPr>
+              <a:t>pandas</a:t>
+            </a:r>
+            <a:r>
+              <a:rPr lang="it-IT" dirty="0">
+                <a:latin typeface="Calibri" panose="020F0502020204030204" pitchFamily="34" charset="0"/>
+                <a:cs typeface="Calibri" panose="020F0502020204030204" pitchFamily="34" charset="0"/>
+              </a:rPr>
+              <a:t>» (solo ID, text e target per il training , ID e text per il test)</a:t>
+            </a:r>
+          </a:p>
+          <a:p>
+            <a:r>
+              <a:rPr lang="it-IT" dirty="0">
+                <a:latin typeface="Calibri" panose="020F0502020204030204" pitchFamily="34" charset="0"/>
+                <a:cs typeface="Calibri" panose="020F0502020204030204" pitchFamily="34" charset="0"/>
+              </a:rPr>
+              <a:t>Rimuovere caratteri e testo “inutili“</a:t>
+            </a:r>
+          </a:p>
+          <a:p>
+            <a:r>
+              <a:rPr lang="it-IT" dirty="0">
+                <a:latin typeface="Calibri" panose="020F0502020204030204" pitchFamily="34" charset="0"/>
+                <a:cs typeface="Calibri" panose="020F0502020204030204" pitchFamily="34" charset="0"/>
+              </a:rPr>
+              <a:t>Rimozione delle </a:t>
+            </a:r>
+            <a:r>
+              <a:rPr lang="it-IT" dirty="0" err="1">
+                <a:latin typeface="Calibri" panose="020F0502020204030204" pitchFamily="34" charset="0"/>
+                <a:cs typeface="Calibri" panose="020F0502020204030204" pitchFamily="34" charset="0"/>
+              </a:rPr>
+              <a:t>stopwords</a:t>
+            </a:r>
+            <a:r>
+              <a:rPr lang="it-IT" dirty="0">
+                <a:latin typeface="Calibri" panose="020F0502020204030204" pitchFamily="34" charset="0"/>
+                <a:cs typeface="Calibri" panose="020F0502020204030204" pitchFamily="34" charset="0"/>
+              </a:rPr>
+              <a:t> importando NLTK (Natural </a:t>
+            </a:r>
+            <a:r>
+              <a:rPr lang="it-IT" dirty="0" err="1">
+                <a:latin typeface="Calibri" panose="020F0502020204030204" pitchFamily="34" charset="0"/>
+                <a:cs typeface="Calibri" panose="020F0502020204030204" pitchFamily="34" charset="0"/>
+              </a:rPr>
+              <a:t>language</a:t>
+            </a:r>
+            <a:r>
+              <a:rPr lang="it-IT" dirty="0">
+                <a:latin typeface="Calibri" panose="020F0502020204030204" pitchFamily="34" charset="0"/>
+                <a:cs typeface="Calibri" panose="020F0502020204030204" pitchFamily="34" charset="0"/>
+              </a:rPr>
+              <a:t> tool kit)</a:t>
+            </a:r>
+          </a:p>
+          <a:p>
+            <a:r>
+              <a:rPr lang="it-IT" dirty="0">
+                <a:latin typeface="Calibri" panose="020F0502020204030204" pitchFamily="34" charset="0"/>
+                <a:cs typeface="Calibri" panose="020F0502020204030204" pitchFamily="34" charset="0"/>
+              </a:rPr>
+              <a:t>Genera word clouds selezionando i tweet con target=1 da quelle con target=0</a:t>
+            </a:r>
+          </a:p>
+        </p:txBody>
+      </p:sp>
+      <p:pic>
+        <p:nvPicPr>
+          <p:cNvPr id="4098" name="Picture 2">
+            <a:extLst>
+              <a:ext uri="{FF2B5EF4-FFF2-40B4-BE49-F238E27FC236}">
+                <a16:creationId xmlns:a16="http://schemas.microsoft.com/office/drawing/2014/main" id="{2FDD536C-F522-4AB8-8EFF-FFBCCC2B7B11}"/>
+              </a:ext>
+            </a:extLst>
+          </p:cNvPr>
+          <p:cNvPicPr>
+            <a:picLocks noChangeAspect="1" noChangeArrowheads="1"/>
+          </p:cNvPicPr>
+          <p:nvPr/>
+        </p:nvPicPr>
+        <p:blipFill>
+          <a:blip r:embed="rId2">
+            <a:extLst>
+              <a:ext uri="{28A0092B-C50C-407E-A947-70E740481C1C}">
+                <a14:useLocalDpi xmlns:a14="http://schemas.microsoft.com/office/drawing/2010/main" val="0"/>
+              </a:ext>
+            </a:extLst>
+          </a:blip>
+          <a:srcRect/>
+          <a:stretch>
+            <a:fillRect/>
+          </a:stretch>
+        </p:blipFill>
+        <p:spPr bwMode="auto">
+          <a:xfrm>
+            <a:off x="621698" y="3728054"/>
+            <a:ext cx="5240557" cy="2677825"/>
+          </a:xfrm>
+          <a:prstGeom prst="rect">
+            <a:avLst/>
+          </a:prstGeom>
+          <a:noFill/>
+          <a:extLst>
+            <a:ext uri="{909E8E84-426E-40DD-AFC4-6F175D3DCCD1}">
+              <a14:hiddenFill xmlns:a14="http://schemas.microsoft.com/office/drawing/2010/main">
+                <a:solidFill>
+                  <a:srgbClr val="FFFFFF"/>
+                </a:solidFill>
+              </a14:hiddenFill>
+            </a:ext>
+          </a:extLst>
+        </p:spPr>
+      </p:pic>
+      <p:pic>
+        <p:nvPicPr>
+          <p:cNvPr id="4100" name="Picture 4">
+            <a:extLst>
+              <a:ext uri="{FF2B5EF4-FFF2-40B4-BE49-F238E27FC236}">
+                <a16:creationId xmlns:a16="http://schemas.microsoft.com/office/drawing/2014/main" id="{EABEC314-5212-4E15-BA2E-C4B13424F653}"/>
+              </a:ext>
+            </a:extLst>
+          </p:cNvPr>
+          <p:cNvPicPr>
+            <a:picLocks noChangeAspect="1" noChangeArrowheads="1"/>
+          </p:cNvPicPr>
+          <p:nvPr/>
+        </p:nvPicPr>
+        <p:blipFill>
+          <a:blip r:embed="rId3">
+            <a:extLst>
+              <a:ext uri="{28A0092B-C50C-407E-A947-70E740481C1C}">
+                <a14:useLocalDpi xmlns:a14="http://schemas.microsoft.com/office/drawing/2010/main" val="0"/>
+              </a:ext>
+            </a:extLst>
+          </a:blip>
+          <a:srcRect/>
+          <a:stretch>
+            <a:fillRect/>
+          </a:stretch>
+        </p:blipFill>
+        <p:spPr bwMode="auto">
+          <a:xfrm>
+            <a:off x="6632357" y="3723344"/>
+            <a:ext cx="5240556" cy="2677824"/>
+          </a:xfrm>
+          <a:prstGeom prst="rect">
+            <a:avLst/>
+          </a:prstGeom>
+          <a:noFill/>
+          <a:extLst>
+            <a:ext uri="{909E8E84-426E-40DD-AFC4-6F175D3DCCD1}">
+              <a14:hiddenFill xmlns:a14="http://schemas.microsoft.com/office/drawing/2010/main">
+                <a:solidFill>
+                  <a:srgbClr val="FFFFFF"/>
+                </a:solidFill>
+              </a14:hiddenFill>
+            </a:ext>
+          </a:extLst>
         </p:spPr>
       </p:pic>
     </p:spTree>
     <p:extLst>
       <p:ext uri="{BB962C8B-B14F-4D97-AF65-F5344CB8AC3E}">
-        <p14:creationId xmlns:p14="http://schemas.microsoft.com/office/powerpoint/2010/main" val="3707139358"/>
+        <p14:creationId xmlns:p14="http://schemas.microsoft.com/office/powerpoint/2010/main" val="255245948"/>
+      </p:ext>
+    </p:extLst>
+  </p:cSld>
+  <p:clrMapOvr>
+    <a:masterClrMapping/>
+  </p:clrMapOvr>
+</p:sld>
+</file>
+
+<file path=ppt/slides/slide9.xml><?xml version="1.0" encoding="utf-8"?>
+<p:sld xmlns:a="http://schemas.openxmlformats.org/drawingml/2006/main" xmlns:r="http://schemas.openxmlformats.org/officeDocument/2006/relationships" xmlns:p="http://schemas.openxmlformats.org/presentationml/2006/main">
+  <p:cSld>
+    <p:spTree>
+      <p:nvGrpSpPr>
+        <p:cNvPr id="1" name=""/>
+        <p:cNvGrpSpPr/>
+        <p:nvPr/>
+      </p:nvGrpSpPr>
+      <p:grpSpPr>
+        <a:xfrm>
+          <a:off x="0" y="0"/>
+          <a:ext cx="0" cy="0"/>
+          <a:chOff x="0" y="0"/>
+          <a:chExt cx="0" cy="0"/>
+        </a:xfrm>
+      </p:grpSpPr>
+      <p:sp>
+        <p:nvSpPr>
+          <p:cNvPr id="2" name="Titolo 1">
+            <a:extLst>
+              <a:ext uri="{FF2B5EF4-FFF2-40B4-BE49-F238E27FC236}">
+                <a16:creationId xmlns:a16="http://schemas.microsoft.com/office/drawing/2014/main" id="{3A816EA7-A009-4FE9-B372-F155B6439CF6}"/>
+              </a:ext>
+            </a:extLst>
+          </p:cNvPr>
+          <p:cNvSpPr>
+            <a:spLocks noGrp="1"/>
+          </p:cNvSpPr>
+          <p:nvPr>
+            <p:ph type="title"/>
+          </p:nvPr>
+        </p:nvSpPr>
+        <p:spPr>
+          <a:xfrm>
+            <a:off x="603943" y="512785"/>
+            <a:ext cx="9238434" cy="857559"/>
+          </a:xfrm>
+        </p:spPr>
+        <p:txBody>
+          <a:bodyPr/>
+          <a:lstStyle/>
+          <a:p>
+            <a:r>
+              <a:rPr lang="it-IT" dirty="0"/>
+              <a:t>Visualizzazione dati</a:t>
+            </a:r>
+          </a:p>
+        </p:txBody>
+      </p:sp>
+      <p:pic>
+        <p:nvPicPr>
+          <p:cNvPr id="5" name="Immagine 4">
+            <a:extLst>
+              <a:ext uri="{FF2B5EF4-FFF2-40B4-BE49-F238E27FC236}">
+                <a16:creationId xmlns:a16="http://schemas.microsoft.com/office/drawing/2014/main" id="{E8EE3119-3804-4DF3-9972-30E6A4DAE6A2}"/>
+              </a:ext>
+            </a:extLst>
+          </p:cNvPr>
+          <p:cNvPicPr>
+            <a:picLocks noChangeAspect="1"/>
+          </p:cNvPicPr>
+          <p:nvPr/>
+        </p:nvPicPr>
+        <p:blipFill>
+          <a:blip r:embed="rId2"/>
+          <a:stretch>
+            <a:fillRect/>
+          </a:stretch>
+        </p:blipFill>
+        <p:spPr>
+          <a:xfrm>
+            <a:off x="507394" y="2247900"/>
+            <a:ext cx="11177211" cy="3352363"/>
+          </a:xfrm>
+          <a:prstGeom prst="rect">
+            <a:avLst/>
+          </a:prstGeom>
+        </p:spPr>
+      </p:pic>
+    </p:spTree>
+    <p:extLst>
+      <p:ext uri="{BB962C8B-B14F-4D97-AF65-F5344CB8AC3E}">
+        <p14:creationId xmlns:p14="http://schemas.microsoft.com/office/powerpoint/2010/main" val="704935038"/>
       </p:ext>
     </p:extLst>
   </p:cSld>

--- a/Natural Language Processing with Disaster Tweets.pptx
+++ b/Natural Language Processing with Disaster Tweets.pptx
@@ -15,6 +15,8 @@
     <p:sldId id="263" r:id="rId9"/>
     <p:sldId id="264" r:id="rId10"/>
     <p:sldId id="265" r:id="rId11"/>
+    <p:sldId id="266" r:id="rId12"/>
+    <p:sldId id="267" r:id="rId13"/>
   </p:sldIdLst>
   <p:sldSz cx="12192000" cy="6858000"/>
   <p:notesSz cx="6858000" cy="9144000"/>
@@ -270,7 +272,7 @@
           <a:p>
             <a:fld id="{3C2B07E4-CDF9-4C88-A2F3-04620E58224D}" type="datetimeFigureOut">
               <a:rPr lang="en-US" smtClean="0"/>
-              <a:t>2/24/2022</a:t>
+              <a:t>3/2/2022</a:t>
             </a:fld>
             <a:endParaRPr lang="en-US" dirty="0"/>
           </a:p>
@@ -560,7 +562,7 @@
           <a:p>
             <a:fld id="{3C2B07E4-CDF9-4C88-A2F3-04620E58224D}" type="datetimeFigureOut">
               <a:rPr lang="en-US" smtClean="0"/>
-              <a:t>2/24/2022</a:t>
+              <a:t>3/2/2022</a:t>
             </a:fld>
             <a:endParaRPr lang="en-US" dirty="0"/>
           </a:p>
@@ -812,7 +814,7 @@
           <a:p>
             <a:fld id="{3C2B07E4-CDF9-4C88-A2F3-04620E58224D}" type="datetimeFigureOut">
               <a:rPr lang="en-US" smtClean="0"/>
-              <a:t>2/24/2022</a:t>
+              <a:t>3/2/2022</a:t>
             </a:fld>
             <a:endParaRPr lang="en-US" dirty="0"/>
           </a:p>
@@ -1064,7 +1066,7 @@
           <a:p>
             <a:fld id="{3C2B07E4-CDF9-4C88-A2F3-04620E58224D}" type="datetimeFigureOut">
               <a:rPr lang="en-US" smtClean="0"/>
-              <a:t>2/24/2022</a:t>
+              <a:t>3/2/2022</a:t>
             </a:fld>
             <a:endParaRPr lang="en-US" dirty="0"/>
           </a:p>
@@ -1393,7 +1395,7 @@
           <a:p>
             <a:fld id="{3C2B07E4-CDF9-4C88-A2F3-04620E58224D}" type="datetimeFigureOut">
               <a:rPr lang="en-US" smtClean="0"/>
-              <a:t>2/24/2022</a:t>
+              <a:t>3/2/2022</a:t>
             </a:fld>
             <a:endParaRPr lang="en-US" dirty="0"/>
           </a:p>
@@ -1743,7 +1745,7 @@
           <a:p>
             <a:fld id="{3C2B07E4-CDF9-4C88-A2F3-04620E58224D}" type="datetimeFigureOut">
               <a:rPr lang="en-US" smtClean="0"/>
-              <a:t>2/24/2022</a:t>
+              <a:t>3/2/2022</a:t>
             </a:fld>
             <a:endParaRPr lang="en-US" dirty="0"/>
           </a:p>
@@ -2255,7 +2257,7 @@
           <a:p>
             <a:fld id="{3C2B07E4-CDF9-4C88-A2F3-04620E58224D}" type="datetimeFigureOut">
               <a:rPr lang="en-US" smtClean="0"/>
-              <a:t>2/24/2022</a:t>
+              <a:t>3/2/2022</a:t>
             </a:fld>
             <a:endParaRPr lang="en-US" dirty="0"/>
           </a:p>
@@ -2583,7 +2585,7 @@
           <a:p>
             <a:fld id="{3C2B07E4-CDF9-4C88-A2F3-04620E58224D}" type="datetimeFigureOut">
               <a:rPr lang="en-US" smtClean="0"/>
-              <a:t>2/24/2022</a:t>
+              <a:t>3/2/2022</a:t>
             </a:fld>
             <a:endParaRPr lang="en-US" dirty="0"/>
           </a:p>
@@ -2696,7 +2698,7 @@
           <a:p>
             <a:fld id="{3C2B07E4-CDF9-4C88-A2F3-04620E58224D}" type="datetimeFigureOut">
               <a:rPr lang="en-US" smtClean="0"/>
-              <a:t>2/24/2022</a:t>
+              <a:t>3/2/2022</a:t>
             </a:fld>
             <a:endParaRPr lang="en-US" dirty="0"/>
           </a:p>
@@ -3037,7 +3039,7 @@
           <a:p>
             <a:fld id="{3C2B07E4-CDF9-4C88-A2F3-04620E58224D}" type="datetimeFigureOut">
               <a:rPr lang="en-US" smtClean="0"/>
-              <a:t>2/24/2022</a:t>
+              <a:t>3/2/2022</a:t>
             </a:fld>
             <a:endParaRPr lang="en-US" dirty="0"/>
           </a:p>
@@ -3337,7 +3339,7 @@
           <a:p>
             <a:fld id="{3C2B07E4-CDF9-4C88-A2F3-04620E58224D}" type="datetimeFigureOut">
               <a:rPr lang="en-US" smtClean="0"/>
-              <a:t>2/24/2022</a:t>
+              <a:t>3/2/2022</a:t>
             </a:fld>
             <a:endParaRPr lang="en-US" dirty="0"/>
           </a:p>
@@ -3577,7 +3579,7 @@
             <a:fld id="{3C2B07E4-CDF9-4C88-A2F3-04620E58224D}" type="datetimeFigureOut">
               <a:rPr lang="en-US" smtClean="0"/>
               <a:pPr/>
-              <a:t>2/24/2022</a:t>
+              <a:t>3/2/2022</a:t>
             </a:fld>
             <a:endParaRPr lang="en-US" dirty="0"/>
           </a:p>
@@ -4589,6 +4591,271 @@
 </p:sld>
 </file>
 
+<file path=ppt/slides/slide11.xml><?xml version="1.0" encoding="utf-8"?>
+<p:sld xmlns:a="http://schemas.openxmlformats.org/drawingml/2006/main" xmlns:r="http://schemas.openxmlformats.org/officeDocument/2006/relationships" xmlns:p="http://schemas.openxmlformats.org/presentationml/2006/main">
+  <p:cSld>
+    <p:spTree>
+      <p:nvGrpSpPr>
+        <p:cNvPr id="1" name=""/>
+        <p:cNvGrpSpPr/>
+        <p:nvPr/>
+      </p:nvGrpSpPr>
+      <p:grpSpPr>
+        <a:xfrm>
+          <a:off x="0" y="0"/>
+          <a:ext cx="0" cy="0"/>
+          <a:chOff x="0" y="0"/>
+          <a:chExt cx="0" cy="0"/>
+        </a:xfrm>
+      </p:grpSpPr>
+      <p:sp>
+        <p:nvSpPr>
+          <p:cNvPr id="2" name="Titolo 1">
+            <a:extLst>
+              <a:ext uri="{FF2B5EF4-FFF2-40B4-BE49-F238E27FC236}">
+                <a16:creationId xmlns:a16="http://schemas.microsoft.com/office/drawing/2014/main" id="{64060340-BCA9-4795-B215-6C6BB6E5E0F4}"/>
+              </a:ext>
+            </a:extLst>
+          </p:cNvPr>
+          <p:cNvSpPr>
+            <a:spLocks noGrp="1"/>
+          </p:cNvSpPr>
+          <p:nvPr>
+            <p:ph type="title"/>
+          </p:nvPr>
+        </p:nvSpPr>
+        <p:spPr>
+          <a:xfrm>
+            <a:off x="492247" y="404241"/>
+            <a:ext cx="9238434" cy="857559"/>
+          </a:xfrm>
+        </p:spPr>
+        <p:txBody>
+          <a:bodyPr/>
+          <a:lstStyle/>
+          <a:p>
+            <a:r>
+              <a:rPr lang="it-IT" dirty="0"/>
+              <a:t>Realizzazione algoritmo: step 1</a:t>
+            </a:r>
+          </a:p>
+        </p:txBody>
+      </p:sp>
+      <p:sp>
+        <p:nvSpPr>
+          <p:cNvPr id="3" name="Segnaposto contenuto 2">
+            <a:extLst>
+              <a:ext uri="{FF2B5EF4-FFF2-40B4-BE49-F238E27FC236}">
+                <a16:creationId xmlns:a16="http://schemas.microsoft.com/office/drawing/2014/main" id="{7D02EA0D-09A7-45C5-B869-8416D7E12309}"/>
+              </a:ext>
+            </a:extLst>
+          </p:cNvPr>
+          <p:cNvSpPr>
+            <a:spLocks noGrp="1"/>
+          </p:cNvSpPr>
+          <p:nvPr>
+            <p:ph idx="1"/>
+          </p:nvPr>
+        </p:nvSpPr>
+        <p:spPr>
+          <a:xfrm>
+            <a:off x="492247" y="1870691"/>
+            <a:ext cx="3083355" cy="4343371"/>
+          </a:xfrm>
+        </p:spPr>
+        <p:txBody>
+          <a:bodyPr>
+            <a:normAutofit fontScale="92500"/>
+          </a:bodyPr>
+          <a:lstStyle/>
+          <a:p>
+            <a:r>
+              <a:rPr lang="it-IT" sz="2400" dirty="0"/>
+              <a:t>Importa il modello  Bert large </a:t>
+            </a:r>
+            <a:r>
+              <a:rPr lang="it-IT" sz="2400" dirty="0" err="1"/>
+              <a:t>uncased</a:t>
+            </a:r>
+            <a:endParaRPr lang="it-IT" sz="2400" dirty="0"/>
+          </a:p>
+          <a:p>
+            <a:r>
+              <a:rPr lang="it-IT" sz="2400" dirty="0"/>
+              <a:t>Importa l’auto </a:t>
+            </a:r>
+            <a:r>
+              <a:rPr lang="it-IT" sz="2400" dirty="0" err="1"/>
+              <a:t>Tokenizer</a:t>
+            </a:r>
+            <a:r>
+              <a:rPr lang="it-IT" sz="2400" dirty="0"/>
+              <a:t> dal Bert large </a:t>
+            </a:r>
+            <a:r>
+              <a:rPr lang="it-IT" sz="2400" dirty="0" err="1"/>
+              <a:t>uncased</a:t>
+            </a:r>
+            <a:endParaRPr lang="it-IT" sz="2400" dirty="0"/>
+          </a:p>
+          <a:p>
+            <a:r>
+              <a:rPr lang="it-IT" sz="2400" dirty="0"/>
+              <a:t>Ottieni gli input compatibile con Bert attraverso la divisione in token delle frasi</a:t>
+            </a:r>
+          </a:p>
+        </p:txBody>
+      </p:sp>
+      <p:pic>
+        <p:nvPicPr>
+          <p:cNvPr id="1028" name="Picture 4" descr="A Visual Guide to Using BERT for the First Time – Jay Alammar – Visualizing  machine learning one concept at a time.">
+            <a:extLst>
+              <a:ext uri="{FF2B5EF4-FFF2-40B4-BE49-F238E27FC236}">
+                <a16:creationId xmlns:a16="http://schemas.microsoft.com/office/drawing/2014/main" id="{2344674A-6AC9-4D21-B03E-DCBCE3D4D24D}"/>
+              </a:ext>
+            </a:extLst>
+          </p:cNvPr>
+          <p:cNvPicPr>
+            <a:picLocks noChangeAspect="1" noChangeArrowheads="1"/>
+          </p:cNvPicPr>
+          <p:nvPr/>
+        </p:nvPicPr>
+        <p:blipFill>
+          <a:blip r:embed="rId2">
+            <a:extLst>
+              <a:ext uri="{28A0092B-C50C-407E-A947-70E740481C1C}">
+                <a14:useLocalDpi xmlns:a14="http://schemas.microsoft.com/office/drawing/2010/main" val="0"/>
+              </a:ext>
+            </a:extLst>
+          </a:blip>
+          <a:srcRect/>
+          <a:stretch>
+            <a:fillRect/>
+          </a:stretch>
+        </p:blipFill>
+        <p:spPr bwMode="auto">
+          <a:xfrm>
+            <a:off x="3753156" y="1639872"/>
+            <a:ext cx="7946597" cy="4574190"/>
+          </a:xfrm>
+          <a:prstGeom prst="rect">
+            <a:avLst/>
+          </a:prstGeom>
+          <a:noFill/>
+          <a:extLst>
+            <a:ext uri="{909E8E84-426E-40DD-AFC4-6F175D3DCCD1}">
+              <a14:hiddenFill xmlns:a14="http://schemas.microsoft.com/office/drawing/2010/main">
+                <a:solidFill>
+                  <a:srgbClr val="FFFFFF"/>
+                </a:solidFill>
+              </a14:hiddenFill>
+            </a:ext>
+          </a:extLst>
+        </p:spPr>
+      </p:pic>
+    </p:spTree>
+    <p:extLst>
+      <p:ext uri="{BB962C8B-B14F-4D97-AF65-F5344CB8AC3E}">
+        <p14:creationId xmlns:p14="http://schemas.microsoft.com/office/powerpoint/2010/main" val="3510865623"/>
+      </p:ext>
+    </p:extLst>
+  </p:cSld>
+  <p:clrMapOvr>
+    <a:masterClrMapping/>
+  </p:clrMapOvr>
+</p:sld>
+</file>
+
+<file path=ppt/slides/slide12.xml><?xml version="1.0" encoding="utf-8"?>
+<p:sld xmlns:a="http://schemas.openxmlformats.org/drawingml/2006/main" xmlns:r="http://schemas.openxmlformats.org/officeDocument/2006/relationships" xmlns:p="http://schemas.openxmlformats.org/presentationml/2006/main">
+  <p:cSld>
+    <p:spTree>
+      <p:nvGrpSpPr>
+        <p:cNvPr id="1" name=""/>
+        <p:cNvGrpSpPr/>
+        <p:nvPr/>
+      </p:nvGrpSpPr>
+      <p:grpSpPr>
+        <a:xfrm>
+          <a:off x="0" y="0"/>
+          <a:ext cx="0" cy="0"/>
+          <a:chOff x="0" y="0"/>
+          <a:chExt cx="0" cy="0"/>
+        </a:xfrm>
+      </p:grpSpPr>
+      <p:sp>
+        <p:nvSpPr>
+          <p:cNvPr id="2" name="Titolo 1">
+            <a:extLst>
+              <a:ext uri="{FF2B5EF4-FFF2-40B4-BE49-F238E27FC236}">
+                <a16:creationId xmlns:a16="http://schemas.microsoft.com/office/drawing/2014/main" id="{FF859005-65E0-4DF2-9D46-C90C6898B9C6}"/>
+              </a:ext>
+            </a:extLst>
+          </p:cNvPr>
+          <p:cNvSpPr>
+            <a:spLocks noGrp="1"/>
+          </p:cNvSpPr>
+          <p:nvPr>
+            <p:ph type="title"/>
+          </p:nvPr>
+        </p:nvSpPr>
+        <p:spPr>
+          <a:xfrm>
+            <a:off x="834762" y="762000"/>
+            <a:ext cx="9238434" cy="857559"/>
+          </a:xfrm>
+        </p:spPr>
+        <p:txBody>
+          <a:bodyPr/>
+          <a:lstStyle/>
+          <a:p>
+            <a:endParaRPr lang="it-IT"/>
+          </a:p>
+        </p:txBody>
+      </p:sp>
+      <p:sp>
+        <p:nvSpPr>
+          <p:cNvPr id="3" name="Segnaposto contenuto 2">
+            <a:extLst>
+              <a:ext uri="{FF2B5EF4-FFF2-40B4-BE49-F238E27FC236}">
+                <a16:creationId xmlns:a16="http://schemas.microsoft.com/office/drawing/2014/main" id="{222DBBD8-67FB-471A-B355-9857C98668FF}"/>
+              </a:ext>
+            </a:extLst>
+          </p:cNvPr>
+          <p:cNvSpPr>
+            <a:spLocks noGrp="1"/>
+          </p:cNvSpPr>
+          <p:nvPr>
+            <p:ph idx="1"/>
+          </p:nvPr>
+        </p:nvSpPr>
+        <p:spPr>
+          <a:xfrm>
+            <a:off x="834762" y="2286000"/>
+            <a:ext cx="9238434" cy="3810000"/>
+          </a:xfrm>
+        </p:spPr>
+        <p:txBody>
+          <a:bodyPr/>
+          <a:lstStyle/>
+          <a:p>
+            <a:endParaRPr lang="it-IT" dirty="0"/>
+          </a:p>
+        </p:txBody>
+      </p:sp>
+    </p:spTree>
+    <p:extLst>
+      <p:ext uri="{BB962C8B-B14F-4D97-AF65-F5344CB8AC3E}">
+        <p14:creationId xmlns:p14="http://schemas.microsoft.com/office/powerpoint/2010/main" val="2567833560"/>
+      </p:ext>
+    </p:extLst>
+  </p:cSld>
+  <p:clrMapOvr>
+    <a:masterClrMapping/>
+  </p:clrMapOvr>
+</p:sld>
+</file>
+
 <file path=ppt/slides/slide2.xml><?xml version="1.0" encoding="utf-8"?>
 <p:sld xmlns:a="http://schemas.openxmlformats.org/drawingml/2006/main" xmlns:r="http://schemas.openxmlformats.org/officeDocument/2006/relationships" xmlns:p="http://schemas.openxmlformats.org/presentationml/2006/main">
   <p:cSld>
@@ -7581,7 +7848,21 @@
                 <a:latin typeface="Calibri" panose="020F0502020204030204" pitchFamily="34" charset="0"/>
                 <a:cs typeface="Calibri" panose="020F0502020204030204" pitchFamily="34" charset="0"/>
               </a:rPr>
-              <a:t>Bert large (24 livelli), 1024 </a:t>
+              <a:t>Bert large </a:t>
+            </a:r>
+            <a:r>
+              <a:rPr lang="it-IT" dirty="0" err="1">
+                <a:latin typeface="Calibri" panose="020F0502020204030204" pitchFamily="34" charset="0"/>
+                <a:cs typeface="Calibri" panose="020F0502020204030204" pitchFamily="34" charset="0"/>
+              </a:rPr>
+              <a:t>uncased</a:t>
+            </a:r>
+            <a:r>
+              <a:rPr lang="it-IT" dirty="0">
+                <a:latin typeface="Calibri" panose="020F0502020204030204" pitchFamily="34" charset="0"/>
+                <a:cs typeface="Calibri" panose="020F0502020204030204" pitchFamily="34" charset="0"/>
+              </a:rPr>
+              <a:t> (24 livelli), 1024 </a:t>
             </a:r>
             <a:r>
               <a:rPr lang="it-IT" dirty="0" err="1">
